--- a/Plastic_Waste_Calculator_Review.pptx
+++ b/Plastic_Waste_Calculator_Review.pptx
@@ -11,10 +11,15 @@
     <p:sldId id="263" r:id="rId5"/>
     <p:sldId id="259" r:id="rId6"/>
     <p:sldId id="265" r:id="rId7"/>
-    <p:sldId id="266" r:id="rId8"/>
-    <p:sldId id="260" r:id="rId9"/>
-    <p:sldId id="261" r:id="rId10"/>
-    <p:sldId id="262" r:id="rId11"/>
+    <p:sldId id="267" r:id="rId8"/>
+    <p:sldId id="268" r:id="rId9"/>
+    <p:sldId id="266" r:id="rId10"/>
+    <p:sldId id="270" r:id="rId11"/>
+    <p:sldId id="269" r:id="rId12"/>
+    <p:sldId id="271" r:id="rId13"/>
+    <p:sldId id="260" r:id="rId14"/>
+    <p:sldId id="261" r:id="rId15"/>
+    <p:sldId id="262" r:id="rId16"/>
   </p:sldIdLst>
   <p:sldSz cx="9144000" cy="6858000" type="screen4x3"/>
   <p:notesSz cx="6858000" cy="9144000"/>
@@ -189,7 +194,7 @@
           <a:noFill/>
           <a:extLst>
             <a:ext uri="{909E8E84-426E-40dd-AFC4-6F175D3DCCD1}">
-              <a14:hiddenFill xmlns="" xmlns:a14="http://schemas.microsoft.com/office/drawing/2010/main">
+              <a14:hiddenFill xmlns:a14="http://schemas.microsoft.com/office/drawing/2010/main" xmlns="">
                 <a:solidFill>
                   <a:srgbClr val="FFFFFF"/>
                 </a:solidFill>
@@ -249,7 +254,7 @@
             </a:ln>
             <a:extLst>
               <a:ext uri="{91240B29-F687-4f45-9708-019B960494DF}">
-                <a14:hiddenLine xmlns="" xmlns:a14="http://schemas.microsoft.com/office/drawing/2010/main" w="9525">
+                <a14:hiddenLine xmlns:a14="http://schemas.microsoft.com/office/drawing/2010/main" xmlns="" w="9525">
                   <a:solidFill>
                     <a:srgbClr val="000000"/>
                   </a:solidFill>
@@ -339,7 +344,7 @@
             </a:ln>
             <a:extLst>
               <a:ext uri="{91240B29-F687-4f45-9708-019B960494DF}">
-                <a14:hiddenLine xmlns="" xmlns:a14="http://schemas.microsoft.com/office/drawing/2010/main" w="9525">
+                <a14:hiddenLine xmlns:a14="http://schemas.microsoft.com/office/drawing/2010/main" xmlns="" w="9525">
                   <a:solidFill>
                     <a:srgbClr val="000000"/>
                   </a:solidFill>
@@ -429,7 +434,7 @@
             </a:ln>
             <a:extLst>
               <a:ext uri="{91240B29-F687-4f45-9708-019B960494DF}">
-                <a14:hiddenLine xmlns="" xmlns:a14="http://schemas.microsoft.com/office/drawing/2010/main" w="9525">
+                <a14:hiddenLine xmlns:a14="http://schemas.microsoft.com/office/drawing/2010/main" xmlns="" w="9525">
                   <a:solidFill>
                     <a:srgbClr val="000000"/>
                   </a:solidFill>
@@ -463,7 +468,7 @@
             </a:ln>
             <a:extLst>
               <a:ext uri="{91240B29-F687-4f45-9708-019B960494DF}">
-                <a14:hiddenLine xmlns="" xmlns:a14="http://schemas.microsoft.com/office/drawing/2010/main" w="9525">
+                <a14:hiddenLine xmlns:a14="http://schemas.microsoft.com/office/drawing/2010/main" xmlns="" w="9525">
                   <a:solidFill>
                     <a:srgbClr val="000000"/>
                   </a:solidFill>
@@ -553,7 +558,7 @@
             </a:ln>
             <a:extLst>
               <a:ext uri="{91240B29-F687-4f45-9708-019B960494DF}">
-                <a14:hiddenLine xmlns="" xmlns:a14="http://schemas.microsoft.com/office/drawing/2010/main" w="9525">
+                <a14:hiddenLine xmlns:a14="http://schemas.microsoft.com/office/drawing/2010/main" xmlns="" w="9525">
                   <a:solidFill>
                     <a:srgbClr val="000000"/>
                   </a:solidFill>
@@ -615,7 +620,7 @@
             </a:ln>
             <a:extLst>
               <a:ext uri="{91240B29-F687-4f45-9708-019B960494DF}">
-                <a14:hiddenLine xmlns="" xmlns:a14="http://schemas.microsoft.com/office/drawing/2010/main" w="9525">
+                <a14:hiddenLine xmlns:a14="http://schemas.microsoft.com/office/drawing/2010/main" xmlns="" w="9525">
                   <a:solidFill>
                     <a:srgbClr val="000000"/>
                   </a:solidFill>
@@ -677,7 +682,7 @@
             </a:ln>
             <a:extLst>
               <a:ext uri="{91240B29-F687-4f45-9708-019B960494DF}">
-                <a14:hiddenLine xmlns="" xmlns:a14="http://schemas.microsoft.com/office/drawing/2010/main" w="9525">
+                <a14:hiddenLine xmlns:a14="http://schemas.microsoft.com/office/drawing/2010/main" xmlns="" w="9525">
                   <a:solidFill>
                     <a:srgbClr val="000000"/>
                   </a:solidFill>
@@ -767,7 +772,7 @@
             </a:ln>
             <a:extLst>
               <a:ext uri="{91240B29-F687-4f45-9708-019B960494DF}">
-                <a14:hiddenLine xmlns="" xmlns:a14="http://schemas.microsoft.com/office/drawing/2010/main" w="9525">
+                <a14:hiddenLine xmlns:a14="http://schemas.microsoft.com/office/drawing/2010/main" xmlns="" w="9525">
                   <a:solidFill>
                     <a:srgbClr val="000000"/>
                   </a:solidFill>
@@ -829,7 +834,7 @@
             </a:ln>
             <a:extLst>
               <a:ext uri="{91240B29-F687-4f45-9708-019B960494DF}">
-                <a14:hiddenLine xmlns="" xmlns:a14="http://schemas.microsoft.com/office/drawing/2010/main" w="9525">
+                <a14:hiddenLine xmlns:a14="http://schemas.microsoft.com/office/drawing/2010/main" xmlns="" w="9525">
                   <a:solidFill>
                     <a:srgbClr val="000000"/>
                   </a:solidFill>
@@ -891,7 +896,7 @@
             </a:ln>
             <a:extLst>
               <a:ext uri="{91240B29-F687-4f45-9708-019B960494DF}">
-                <a14:hiddenLine xmlns="" xmlns:a14="http://schemas.microsoft.com/office/drawing/2010/main" w="9525">
+                <a14:hiddenLine xmlns:a14="http://schemas.microsoft.com/office/drawing/2010/main" xmlns="" w="9525">
                   <a:solidFill>
                     <a:srgbClr val="000000"/>
                   </a:solidFill>
@@ -981,7 +986,7 @@
             </a:ln>
             <a:extLst>
               <a:ext uri="{91240B29-F687-4f45-9708-019B960494DF}">
-                <a14:hiddenLine xmlns="" xmlns:a14="http://schemas.microsoft.com/office/drawing/2010/main" w="9525">
+                <a14:hiddenLine xmlns:a14="http://schemas.microsoft.com/office/drawing/2010/main" xmlns="" w="9525">
                   <a:solidFill>
                     <a:srgbClr val="000000"/>
                   </a:solidFill>
@@ -1071,7 +1076,7 @@
             </a:ln>
             <a:extLst>
               <a:ext uri="{91240B29-F687-4f45-9708-019B960494DF}">
-                <a14:hiddenLine xmlns="" xmlns:a14="http://schemas.microsoft.com/office/drawing/2010/main" w="9525">
+                <a14:hiddenLine xmlns:a14="http://schemas.microsoft.com/office/drawing/2010/main" xmlns="" w="9525">
                   <a:solidFill>
                     <a:srgbClr val="000000"/>
                   </a:solidFill>
@@ -1133,7 +1138,7 @@
             </a:ln>
             <a:extLst>
               <a:ext uri="{91240B29-F687-4f45-9708-019B960494DF}">
-                <a14:hiddenLine xmlns="" xmlns:a14="http://schemas.microsoft.com/office/drawing/2010/main" w="9525">
+                <a14:hiddenLine xmlns:a14="http://schemas.microsoft.com/office/drawing/2010/main" xmlns="" w="9525">
                   <a:solidFill>
                     <a:srgbClr val="000000"/>
                   </a:solidFill>
@@ -1243,7 +1248,7 @@
             </a:ln>
             <a:extLst>
               <a:ext uri="{91240B29-F687-4f45-9708-019B960494DF}">
-                <a14:hiddenLine xmlns="" xmlns:a14="http://schemas.microsoft.com/office/drawing/2010/main" w="9525">
+                <a14:hiddenLine xmlns:a14="http://schemas.microsoft.com/office/drawing/2010/main" xmlns="" w="9525">
                   <a:solidFill>
                     <a:srgbClr val="000000"/>
                   </a:solidFill>
@@ -1305,7 +1310,7 @@
             </a:ln>
             <a:extLst>
               <a:ext uri="{91240B29-F687-4f45-9708-019B960494DF}">
-                <a14:hiddenLine xmlns="" xmlns:a14="http://schemas.microsoft.com/office/drawing/2010/main" w="9525">
+                <a14:hiddenLine xmlns:a14="http://schemas.microsoft.com/office/drawing/2010/main" xmlns="" w="9525">
                   <a:solidFill>
                     <a:srgbClr val="000000"/>
                   </a:solidFill>
@@ -1395,7 +1400,7 @@
             </a:ln>
             <a:extLst>
               <a:ext uri="{91240B29-F687-4f45-9708-019B960494DF}">
-                <a14:hiddenLine xmlns="" xmlns:a14="http://schemas.microsoft.com/office/drawing/2010/main" w="9525">
+                <a14:hiddenLine xmlns:a14="http://schemas.microsoft.com/office/drawing/2010/main" xmlns="" w="9525">
                   <a:solidFill>
                     <a:srgbClr val="000000"/>
                   </a:solidFill>
@@ -1485,7 +1490,7 @@
             </a:ln>
             <a:extLst>
               <a:ext uri="{91240B29-F687-4f45-9708-019B960494DF}">
-                <a14:hiddenLine xmlns="" xmlns:a14="http://schemas.microsoft.com/office/drawing/2010/main" w="9525">
+                <a14:hiddenLine xmlns:a14="http://schemas.microsoft.com/office/drawing/2010/main" xmlns="" w="9525">
                   <a:solidFill>
                     <a:srgbClr val="000000"/>
                   </a:solidFill>
@@ -1547,7 +1552,7 @@
             </a:ln>
             <a:extLst>
               <a:ext uri="{91240B29-F687-4f45-9708-019B960494DF}">
-                <a14:hiddenLine xmlns="" xmlns:a14="http://schemas.microsoft.com/office/drawing/2010/main" w="9525">
+                <a14:hiddenLine xmlns:a14="http://schemas.microsoft.com/office/drawing/2010/main" xmlns="" w="9525">
                   <a:solidFill>
                     <a:srgbClr val="000000"/>
                   </a:solidFill>
@@ -1637,7 +1642,7 @@
             </a:ln>
             <a:extLst>
               <a:ext uri="{91240B29-F687-4f45-9708-019B960494DF}">
-                <a14:hiddenLine xmlns="" xmlns:a14="http://schemas.microsoft.com/office/drawing/2010/main" w="9525">
+                <a14:hiddenLine xmlns:a14="http://schemas.microsoft.com/office/drawing/2010/main" xmlns="" w="9525">
                   <a:solidFill>
                     <a:srgbClr val="000000"/>
                   </a:solidFill>
@@ -1727,7 +1732,7 @@
             </a:ln>
             <a:extLst>
               <a:ext uri="{91240B29-F687-4f45-9708-019B960494DF}">
-                <a14:hiddenLine xmlns="" xmlns:a14="http://schemas.microsoft.com/office/drawing/2010/main" w="9525">
+                <a14:hiddenLine xmlns:a14="http://schemas.microsoft.com/office/drawing/2010/main" xmlns="" w="9525">
                   <a:solidFill>
                     <a:srgbClr val="000000"/>
                   </a:solidFill>
@@ -1783,7 +1788,7 @@
             </a:ln>
             <a:extLst>
               <a:ext uri="{91240B29-F687-4f45-9708-019B960494DF}">
-                <a14:hiddenLine xmlns="" xmlns:a14="http://schemas.microsoft.com/office/drawing/2010/main" w="9525">
+                <a14:hiddenLine xmlns:a14="http://schemas.microsoft.com/office/drawing/2010/main" xmlns="" w="9525">
                   <a:solidFill>
                     <a:srgbClr val="000000"/>
                   </a:solidFill>
@@ -1873,7 +1878,7 @@
             </a:ln>
             <a:extLst>
               <a:ext uri="{91240B29-F687-4f45-9708-019B960494DF}">
-                <a14:hiddenLine xmlns="" xmlns:a14="http://schemas.microsoft.com/office/drawing/2010/main" w="9525">
+                <a14:hiddenLine xmlns:a14="http://schemas.microsoft.com/office/drawing/2010/main" xmlns="" w="9525">
                   <a:solidFill>
                     <a:srgbClr val="000000"/>
                   </a:solidFill>
@@ -1929,7 +1934,7 @@
             </a:ln>
             <a:extLst>
               <a:ext uri="{91240B29-F687-4f45-9708-019B960494DF}">
-                <a14:hiddenLine xmlns="" xmlns:a14="http://schemas.microsoft.com/office/drawing/2010/main" w="9525">
+                <a14:hiddenLine xmlns:a14="http://schemas.microsoft.com/office/drawing/2010/main" xmlns="" w="9525">
                   <a:solidFill>
                     <a:srgbClr val="000000"/>
                   </a:solidFill>
@@ -2019,7 +2024,7 @@
             </a:ln>
             <a:extLst>
               <a:ext uri="{91240B29-F687-4f45-9708-019B960494DF}">
-                <a14:hiddenLine xmlns="" xmlns:a14="http://schemas.microsoft.com/office/drawing/2010/main" w="9525">
+                <a14:hiddenLine xmlns:a14="http://schemas.microsoft.com/office/drawing/2010/main" xmlns="" w="9525">
                   <a:solidFill>
                     <a:srgbClr val="000000"/>
                   </a:solidFill>
@@ -2087,7 +2092,7 @@
             </a:ln>
             <a:extLst>
               <a:ext uri="{91240B29-F687-4f45-9708-019B960494DF}">
-                <a14:hiddenLine xmlns="" xmlns:a14="http://schemas.microsoft.com/office/drawing/2010/main" w="9525">
+                <a14:hiddenLine xmlns:a14="http://schemas.microsoft.com/office/drawing/2010/main" xmlns="" w="9525">
                   <a:solidFill>
                     <a:srgbClr val="000000"/>
                   </a:solidFill>
@@ -2177,7 +2182,7 @@
             </a:ln>
             <a:extLst>
               <a:ext uri="{91240B29-F687-4f45-9708-019B960494DF}">
-                <a14:hiddenLine xmlns="" xmlns:a14="http://schemas.microsoft.com/office/drawing/2010/main" w="9525">
+                <a14:hiddenLine xmlns:a14="http://schemas.microsoft.com/office/drawing/2010/main" xmlns="" w="9525">
                   <a:solidFill>
                     <a:srgbClr val="000000"/>
                   </a:solidFill>
@@ -2245,7 +2250,7 @@
             </a:ln>
             <a:extLst>
               <a:ext uri="{91240B29-F687-4f45-9708-019B960494DF}">
-                <a14:hiddenLine xmlns="" xmlns:a14="http://schemas.microsoft.com/office/drawing/2010/main" w="9525">
+                <a14:hiddenLine xmlns:a14="http://schemas.microsoft.com/office/drawing/2010/main" xmlns="" w="9525">
                   <a:solidFill>
                     <a:srgbClr val="000000"/>
                   </a:solidFill>
@@ -2335,7 +2340,7 @@
             </a:ln>
             <a:extLst>
               <a:ext uri="{91240B29-F687-4f45-9708-019B960494DF}">
-                <a14:hiddenLine xmlns="" xmlns:a14="http://schemas.microsoft.com/office/drawing/2010/main" w="9525">
+                <a14:hiddenLine xmlns:a14="http://schemas.microsoft.com/office/drawing/2010/main" xmlns="" w="9525">
                   <a:solidFill>
                     <a:srgbClr val="000000"/>
                   </a:solidFill>
@@ -2369,7 +2374,7 @@
             </a:ln>
             <a:extLst>
               <a:ext uri="{91240B29-F687-4f45-9708-019B960494DF}">
-                <a14:hiddenLine xmlns="" xmlns:a14="http://schemas.microsoft.com/office/drawing/2010/main" w="9525">
+                <a14:hiddenLine xmlns:a14="http://schemas.microsoft.com/office/drawing/2010/main" xmlns="" w="9525">
                   <a:solidFill>
                     <a:srgbClr val="000000"/>
                   </a:solidFill>
@@ -2459,7 +2464,7 @@
             </a:ln>
             <a:extLst>
               <a:ext uri="{91240B29-F687-4f45-9708-019B960494DF}">
-                <a14:hiddenLine xmlns="" xmlns:a14="http://schemas.microsoft.com/office/drawing/2010/main" w="9525">
+                <a14:hiddenLine xmlns:a14="http://schemas.microsoft.com/office/drawing/2010/main" xmlns="" w="9525">
                   <a:solidFill>
                     <a:srgbClr val="000000"/>
                   </a:solidFill>
@@ -2521,7 +2526,7 @@
             </a:ln>
             <a:extLst>
               <a:ext uri="{91240B29-F687-4f45-9708-019B960494DF}">
-                <a14:hiddenLine xmlns="" xmlns:a14="http://schemas.microsoft.com/office/drawing/2010/main" w="9525">
+                <a14:hiddenLine xmlns:a14="http://schemas.microsoft.com/office/drawing/2010/main" xmlns="" w="9525">
                   <a:solidFill>
                     <a:srgbClr val="000000"/>
                   </a:solidFill>
@@ -2583,7 +2588,7 @@
             </a:ln>
             <a:extLst>
               <a:ext uri="{91240B29-F687-4f45-9708-019B960494DF}">
-                <a14:hiddenLine xmlns="" xmlns:a14="http://schemas.microsoft.com/office/drawing/2010/main" w="9525">
+                <a14:hiddenLine xmlns:a14="http://schemas.microsoft.com/office/drawing/2010/main" xmlns="" w="9525">
                   <a:solidFill>
                     <a:srgbClr val="000000"/>
                   </a:solidFill>
@@ -2673,7 +2678,7 @@
             </a:ln>
             <a:extLst>
               <a:ext uri="{91240B29-F687-4f45-9708-019B960494DF}">
-                <a14:hiddenLine xmlns="" xmlns:a14="http://schemas.microsoft.com/office/drawing/2010/main" w="9525">
+                <a14:hiddenLine xmlns:a14="http://schemas.microsoft.com/office/drawing/2010/main" xmlns="" w="9525">
                   <a:solidFill>
                     <a:srgbClr val="000000"/>
                   </a:solidFill>
@@ -2741,7 +2746,7 @@
             </a:ln>
             <a:extLst>
               <a:ext uri="{91240B29-F687-4f45-9708-019B960494DF}">
-                <a14:hiddenLine xmlns="" xmlns:a14="http://schemas.microsoft.com/office/drawing/2010/main" w="9525">
+                <a14:hiddenLine xmlns:a14="http://schemas.microsoft.com/office/drawing/2010/main" xmlns="" w="9525">
                   <a:solidFill>
                     <a:srgbClr val="000000"/>
                   </a:solidFill>
@@ -2803,7 +2808,7 @@
             </a:ln>
             <a:extLst>
               <a:ext uri="{91240B29-F687-4f45-9708-019B960494DF}">
-                <a14:hiddenLine xmlns="" xmlns:a14="http://schemas.microsoft.com/office/drawing/2010/main" w="9525">
+                <a14:hiddenLine xmlns:a14="http://schemas.microsoft.com/office/drawing/2010/main" xmlns="" w="9525">
                   <a:solidFill>
                     <a:srgbClr val="000000"/>
                   </a:solidFill>
@@ -2893,7 +2898,7 @@
             </a:ln>
             <a:extLst>
               <a:ext uri="{91240B29-F687-4f45-9708-019B960494DF}">
-                <a14:hiddenLine xmlns="" xmlns:a14="http://schemas.microsoft.com/office/drawing/2010/main" w="9525">
+                <a14:hiddenLine xmlns:a14="http://schemas.microsoft.com/office/drawing/2010/main" xmlns="" w="9525">
                   <a:solidFill>
                     <a:srgbClr val="000000"/>
                   </a:solidFill>
@@ -2955,7 +2960,7 @@
             </a:ln>
             <a:extLst>
               <a:ext uri="{91240B29-F687-4f45-9708-019B960494DF}">
-                <a14:hiddenLine xmlns="" xmlns:a14="http://schemas.microsoft.com/office/drawing/2010/main" w="9525">
+                <a14:hiddenLine xmlns:a14="http://schemas.microsoft.com/office/drawing/2010/main" xmlns="" w="9525">
                   <a:solidFill>
                     <a:srgbClr val="000000"/>
                   </a:solidFill>
@@ -3045,7 +3050,7 @@
             </a:ln>
             <a:extLst>
               <a:ext uri="{91240B29-F687-4f45-9708-019B960494DF}">
-                <a14:hiddenLine xmlns="" xmlns:a14="http://schemas.microsoft.com/office/drawing/2010/main" w="9525">
+                <a14:hiddenLine xmlns:a14="http://schemas.microsoft.com/office/drawing/2010/main" xmlns="" w="9525">
                   <a:solidFill>
                     <a:srgbClr val="000000"/>
                   </a:solidFill>
@@ -3107,7 +3112,7 @@
             </a:ln>
             <a:extLst>
               <a:ext uri="{91240B29-F687-4f45-9708-019B960494DF}">
-                <a14:hiddenLine xmlns="" xmlns:a14="http://schemas.microsoft.com/office/drawing/2010/main" w="9525">
+                <a14:hiddenLine xmlns:a14="http://schemas.microsoft.com/office/drawing/2010/main" xmlns="" w="9525">
                   <a:solidFill>
                     <a:srgbClr val="000000"/>
                   </a:solidFill>
@@ -3197,7 +3202,7 @@
             </a:ln>
             <a:extLst>
               <a:ext uri="{91240B29-F687-4f45-9708-019B960494DF}">
-                <a14:hiddenLine xmlns="" xmlns:a14="http://schemas.microsoft.com/office/drawing/2010/main" w="9525">
+                <a14:hiddenLine xmlns:a14="http://schemas.microsoft.com/office/drawing/2010/main" xmlns="" w="9525">
                   <a:solidFill>
                     <a:srgbClr val="000000"/>
                   </a:solidFill>
@@ -3231,7 +3236,7 @@
             </a:ln>
             <a:extLst>
               <a:ext uri="{91240B29-F687-4f45-9708-019B960494DF}">
-                <a14:hiddenLine xmlns="" xmlns:a14="http://schemas.microsoft.com/office/drawing/2010/main" w="9525">
+                <a14:hiddenLine xmlns:a14="http://schemas.microsoft.com/office/drawing/2010/main" xmlns="" w="9525">
                   <a:solidFill>
                     <a:srgbClr val="000000"/>
                   </a:solidFill>
@@ -3296,7 +3301,7 @@
             </a:ln>
             <a:extLst>
               <a:ext uri="{91240B29-F687-4f45-9708-019B960494DF}">
-                <a14:hiddenLine xmlns="" xmlns:a14="http://schemas.microsoft.com/office/drawing/2010/main" w="9525">
+                <a14:hiddenLine xmlns:a14="http://schemas.microsoft.com/office/drawing/2010/main" xmlns="" w="9525">
                   <a:solidFill>
                     <a:srgbClr val="000000"/>
                   </a:solidFill>
@@ -3386,7 +3391,7 @@
             </a:ln>
             <a:extLst>
               <a:ext uri="{91240B29-F687-4f45-9708-019B960494DF}">
-                <a14:hiddenLine xmlns="" xmlns:a14="http://schemas.microsoft.com/office/drawing/2010/main" w="9525">
+                <a14:hiddenLine xmlns:a14="http://schemas.microsoft.com/office/drawing/2010/main" xmlns="" w="9525">
                   <a:solidFill>
                     <a:srgbClr val="000000"/>
                   </a:solidFill>
@@ -3448,7 +3453,7 @@
             </a:ln>
             <a:extLst>
               <a:ext uri="{91240B29-F687-4f45-9708-019B960494DF}">
-                <a14:hiddenLine xmlns="" xmlns:a14="http://schemas.microsoft.com/office/drawing/2010/main" w="9525">
+                <a14:hiddenLine xmlns:a14="http://schemas.microsoft.com/office/drawing/2010/main" xmlns="" w="9525">
                   <a:solidFill>
                     <a:srgbClr val="000000"/>
                   </a:solidFill>
@@ -3538,7 +3543,7 @@
             </a:ln>
             <a:extLst>
               <a:ext uri="{91240B29-F687-4f45-9708-019B960494DF}">
-                <a14:hiddenLine xmlns="" xmlns:a14="http://schemas.microsoft.com/office/drawing/2010/main" w="9525">
+                <a14:hiddenLine xmlns:a14="http://schemas.microsoft.com/office/drawing/2010/main" xmlns="" w="9525">
                   <a:solidFill>
                     <a:srgbClr val="000000"/>
                   </a:solidFill>
@@ -3628,7 +3633,7 @@
             </a:ln>
             <a:extLst>
               <a:ext uri="{91240B29-F687-4f45-9708-019B960494DF}">
-                <a14:hiddenLine xmlns="" xmlns:a14="http://schemas.microsoft.com/office/drawing/2010/main" w="9525">
+                <a14:hiddenLine xmlns:a14="http://schemas.microsoft.com/office/drawing/2010/main" xmlns="" w="9525">
                   <a:solidFill>
                     <a:srgbClr val="000000"/>
                   </a:solidFill>
@@ -3693,7 +3698,7 @@
             </a:ln>
             <a:extLst>
               <a:ext uri="{91240B29-F687-4f45-9708-019B960494DF}">
-                <a14:hiddenLine xmlns="" xmlns:a14="http://schemas.microsoft.com/office/drawing/2010/main" w="9525">
+                <a14:hiddenLine xmlns:a14="http://schemas.microsoft.com/office/drawing/2010/main" xmlns="" w="9525">
                   <a:solidFill>
                     <a:srgbClr val="000000"/>
                   </a:solidFill>
@@ -3755,7 +3760,7 @@
             </a:ln>
             <a:extLst>
               <a:ext uri="{91240B29-F687-4f45-9708-019B960494DF}">
-                <a14:hiddenLine xmlns="" xmlns:a14="http://schemas.microsoft.com/office/drawing/2010/main" w="9525">
+                <a14:hiddenLine xmlns:a14="http://schemas.microsoft.com/office/drawing/2010/main" xmlns="" w="9525">
                   <a:solidFill>
                     <a:srgbClr val="000000"/>
                   </a:solidFill>
@@ -3845,7 +3850,7 @@
             </a:ln>
             <a:extLst>
               <a:ext uri="{91240B29-F687-4f45-9708-019B960494DF}">
-                <a14:hiddenLine xmlns="" xmlns:a14="http://schemas.microsoft.com/office/drawing/2010/main" w="9525">
+                <a14:hiddenLine xmlns:a14="http://schemas.microsoft.com/office/drawing/2010/main" xmlns="" w="9525">
                   <a:solidFill>
                     <a:srgbClr val="000000"/>
                   </a:solidFill>
@@ -3935,7 +3940,7 @@
             </a:ln>
             <a:extLst>
               <a:ext uri="{91240B29-F687-4f45-9708-019B960494DF}">
-                <a14:hiddenLine xmlns="" xmlns:a14="http://schemas.microsoft.com/office/drawing/2010/main" w="9525">
+                <a14:hiddenLine xmlns:a14="http://schemas.microsoft.com/office/drawing/2010/main" xmlns="" w="9525">
                   <a:solidFill>
                     <a:srgbClr val="000000"/>
                   </a:solidFill>
@@ -3997,7 +4002,7 @@
             </a:ln>
             <a:extLst>
               <a:ext uri="{91240B29-F687-4f45-9708-019B960494DF}">
-                <a14:hiddenLine xmlns="" xmlns:a14="http://schemas.microsoft.com/office/drawing/2010/main" w="9525">
+                <a14:hiddenLine xmlns:a14="http://schemas.microsoft.com/office/drawing/2010/main" xmlns="" w="9525">
                   <a:solidFill>
                     <a:srgbClr val="000000"/>
                   </a:solidFill>
@@ -4117,7 +4122,7 @@
             </a:ln>
             <a:extLst>
               <a:ext uri="{91240B29-F687-4f45-9708-019B960494DF}">
-                <a14:hiddenLine xmlns="" xmlns:a14="http://schemas.microsoft.com/office/drawing/2010/main" w="9525">
+                <a14:hiddenLine xmlns:a14="http://schemas.microsoft.com/office/drawing/2010/main" xmlns="" w="9525">
                   <a:solidFill>
                     <a:srgbClr val="000000"/>
                   </a:solidFill>
@@ -4185,7 +4190,7 @@
             </a:ln>
             <a:extLst>
               <a:ext uri="{91240B29-F687-4f45-9708-019B960494DF}">
-                <a14:hiddenLine xmlns="" xmlns:a14="http://schemas.microsoft.com/office/drawing/2010/main" w="9525">
+                <a14:hiddenLine xmlns:a14="http://schemas.microsoft.com/office/drawing/2010/main" xmlns="" w="9525">
                   <a:solidFill>
                     <a:srgbClr val="000000"/>
                   </a:solidFill>
@@ -4275,7 +4280,7 @@
             </a:ln>
             <a:extLst>
               <a:ext uri="{91240B29-F687-4f45-9708-019B960494DF}">
-                <a14:hiddenLine xmlns="" xmlns:a14="http://schemas.microsoft.com/office/drawing/2010/main" w="9525">
+                <a14:hiddenLine xmlns:a14="http://schemas.microsoft.com/office/drawing/2010/main" xmlns="" w="9525">
                   <a:solidFill>
                     <a:srgbClr val="000000"/>
                   </a:solidFill>
@@ -4415,7 +4420,7 @@
           <a:p>
             <a:fld id="{5BCAD085-E8A6-8845-BD4E-CB4CCA059FC4}" type="datetimeFigureOut">
               <a:rPr lang="en-US" smtClean="0"/>
-              <a:t>2/18/2025</a:t>
+              <a:t>3/11/2025</a:t>
             </a:fld>
             <a:endParaRPr lang="en-US"/>
           </a:p>
@@ -4682,7 +4687,7 @@
           <a:p>
             <a:fld id="{5BCAD085-E8A6-8845-BD4E-CB4CCA059FC4}" type="datetimeFigureOut">
               <a:rPr lang="en-US" smtClean="0"/>
-              <a:t>2/18/2025</a:t>
+              <a:t>3/11/2025</a:t>
             </a:fld>
             <a:endParaRPr lang="en-US"/>
           </a:p>
@@ -4878,7 +4883,7 @@
           <a:p>
             <a:fld id="{5BCAD085-E8A6-8845-BD4E-CB4CCA059FC4}" type="datetimeFigureOut">
               <a:rPr lang="en-US" smtClean="0"/>
-              <a:t>2/18/2025</a:t>
+              <a:t>3/11/2025</a:t>
             </a:fld>
             <a:endParaRPr lang="en-US"/>
           </a:p>
@@ -5141,7 +5146,7 @@
           <a:p>
             <a:fld id="{5BCAD085-E8A6-8845-BD4E-CB4CCA059FC4}" type="datetimeFigureOut">
               <a:rPr lang="en-US" smtClean="0"/>
-              <a:t>2/18/2025</a:t>
+              <a:t>3/11/2025</a:t>
             </a:fld>
             <a:endParaRPr lang="en-US"/>
           </a:p>
@@ -5575,7 +5580,7 @@
           <a:p>
             <a:fld id="{5BCAD085-E8A6-8845-BD4E-CB4CCA059FC4}" type="datetimeFigureOut">
               <a:rPr lang="en-US" smtClean="0"/>
-              <a:t>2/18/2025</a:t>
+              <a:t>3/11/2025</a:t>
             </a:fld>
             <a:endParaRPr lang="en-US"/>
           </a:p>
@@ -6121,7 +6126,7 @@
           <a:p>
             <a:fld id="{5BCAD085-E8A6-8845-BD4E-CB4CCA059FC4}" type="datetimeFigureOut">
               <a:rPr lang="en-US" smtClean="0"/>
-              <a:t>2/18/2025</a:t>
+              <a:t>3/11/2025</a:t>
             </a:fld>
             <a:endParaRPr lang="en-US"/>
           </a:p>
@@ -6841,7 +6846,7 @@
           <a:p>
             <a:fld id="{5BCAD085-E8A6-8845-BD4E-CB4CCA059FC4}" type="datetimeFigureOut">
               <a:rPr lang="en-US" smtClean="0"/>
-              <a:t>2/18/2025</a:t>
+              <a:t>3/11/2025</a:t>
             </a:fld>
             <a:endParaRPr lang="en-US"/>
           </a:p>
@@ -7015,7 +7020,7 @@
           <a:p>
             <a:fld id="{5BCAD085-E8A6-8845-BD4E-CB4CCA059FC4}" type="datetimeFigureOut">
               <a:rPr lang="en-US" smtClean="0"/>
-              <a:t>2/18/2025</a:t>
+              <a:t>3/11/2025</a:t>
             </a:fld>
             <a:endParaRPr lang="en-US"/>
           </a:p>
@@ -7195,7 +7200,7 @@
           <a:p>
             <a:fld id="{5BCAD085-E8A6-8845-BD4E-CB4CCA059FC4}" type="datetimeFigureOut">
               <a:rPr lang="en-US" smtClean="0"/>
-              <a:t>2/18/2025</a:t>
+              <a:t>3/11/2025</a:t>
             </a:fld>
             <a:endParaRPr lang="en-US"/>
           </a:p>
@@ -7380,7 +7385,7 @@
           <a:p>
             <a:fld id="{5BCAD085-E8A6-8845-BD4E-CB4CCA059FC4}" type="datetimeFigureOut">
               <a:rPr lang="en-US" smtClean="0"/>
-              <a:t>2/18/2025</a:t>
+              <a:t>3/11/2025</a:t>
             </a:fld>
             <a:endParaRPr lang="en-US"/>
           </a:p>
@@ -7640,7 +7645,7 @@
           <a:p>
             <a:fld id="{5BCAD085-E8A6-8845-BD4E-CB4CCA059FC4}" type="datetimeFigureOut">
               <a:rPr lang="en-US" smtClean="0"/>
-              <a:t>2/18/2025</a:t>
+              <a:t>3/11/2025</a:t>
             </a:fld>
             <a:endParaRPr lang="en-US"/>
           </a:p>
@@ -7872,7 +7877,7 @@
           <a:p>
             <a:fld id="{5BCAD085-E8A6-8845-BD4E-CB4CCA059FC4}" type="datetimeFigureOut">
               <a:rPr lang="en-US" smtClean="0"/>
-              <a:t>2/18/2025</a:t>
+              <a:t>3/11/2025</a:t>
             </a:fld>
             <a:endParaRPr lang="en-US"/>
           </a:p>
@@ -8253,7 +8258,7 @@
           <a:p>
             <a:fld id="{5BCAD085-E8A6-8845-BD4E-CB4CCA059FC4}" type="datetimeFigureOut">
               <a:rPr lang="en-US" smtClean="0"/>
-              <a:t>2/18/2025</a:t>
+              <a:t>3/11/2025</a:t>
             </a:fld>
             <a:endParaRPr lang="en-US"/>
           </a:p>
@@ -8371,7 +8376,7 @@
           <a:p>
             <a:fld id="{5BCAD085-E8A6-8845-BD4E-CB4CCA059FC4}" type="datetimeFigureOut">
               <a:rPr lang="en-US" smtClean="0"/>
-              <a:t>2/18/2025</a:t>
+              <a:t>3/11/2025</a:t>
             </a:fld>
             <a:endParaRPr lang="en-US"/>
           </a:p>
@@ -8466,7 +8471,7 @@
           <a:p>
             <a:fld id="{5BCAD085-E8A6-8845-BD4E-CB4CCA059FC4}" type="datetimeFigureOut">
               <a:rPr lang="en-US" smtClean="0"/>
-              <a:t>2/18/2025</a:t>
+              <a:t>3/11/2025</a:t>
             </a:fld>
             <a:endParaRPr lang="en-US"/>
           </a:p>
@@ -8715,7 +8720,7 @@
           <a:p>
             <a:fld id="{5BCAD085-E8A6-8845-BD4E-CB4CCA059FC4}" type="datetimeFigureOut">
               <a:rPr lang="en-US" smtClean="0"/>
-              <a:t>2/18/2025</a:t>
+              <a:t>3/11/2025</a:t>
             </a:fld>
             <a:endParaRPr lang="en-US"/>
           </a:p>
@@ -8967,7 +8972,7 @@
           <a:p>
             <a:fld id="{5BCAD085-E8A6-8845-BD4E-CB4CCA059FC4}" type="datetimeFigureOut">
               <a:rPr lang="en-US" smtClean="0"/>
-              <a:t>2/18/2025</a:t>
+              <a:t>3/11/2025</a:t>
             </a:fld>
             <a:endParaRPr lang="en-US"/>
           </a:p>
@@ -9115,7 +9120,7 @@
               </a:ln>
               <a:extLst>
                 <a:ext uri="{91240B29-F687-4f45-9708-019B960494DF}">
-                  <a14:hiddenLine xmlns="" xmlns:a14="http://schemas.microsoft.com/office/drawing/2010/main" w="9525">
+                  <a14:hiddenLine xmlns:a14="http://schemas.microsoft.com/office/drawing/2010/main" xmlns="" w="9525">
                     <a:solidFill>
                       <a:srgbClr val="000000"/>
                     </a:solidFill>
@@ -9205,7 +9210,7 @@
               </a:ln>
               <a:extLst>
                 <a:ext uri="{91240B29-F687-4f45-9708-019B960494DF}">
-                  <a14:hiddenLine xmlns="" xmlns:a14="http://schemas.microsoft.com/office/drawing/2010/main" w="9525">
+                  <a14:hiddenLine xmlns:a14="http://schemas.microsoft.com/office/drawing/2010/main" xmlns="" w="9525">
                     <a:solidFill>
                       <a:srgbClr val="000000"/>
                     </a:solidFill>
@@ -9295,7 +9300,7 @@
               </a:ln>
               <a:extLst>
                 <a:ext uri="{91240B29-F687-4f45-9708-019B960494DF}">
-                  <a14:hiddenLine xmlns="" xmlns:a14="http://schemas.microsoft.com/office/drawing/2010/main" w="9525">
+                  <a14:hiddenLine xmlns:a14="http://schemas.microsoft.com/office/drawing/2010/main" xmlns="" w="9525">
                     <a:solidFill>
                       <a:srgbClr val="000000"/>
                     </a:solidFill>
@@ -9357,7 +9362,7 @@
               </a:ln>
               <a:extLst>
                 <a:ext uri="{91240B29-F687-4f45-9708-019B960494DF}">
-                  <a14:hiddenLine xmlns="" xmlns:a14="http://schemas.microsoft.com/office/drawing/2010/main" w="9525">
+                  <a14:hiddenLine xmlns:a14="http://schemas.microsoft.com/office/drawing/2010/main" xmlns="" w="9525">
                     <a:solidFill>
                       <a:srgbClr val="000000"/>
                     </a:solidFill>
@@ -9447,7 +9452,7 @@
               </a:ln>
               <a:extLst>
                 <a:ext uri="{91240B29-F687-4f45-9708-019B960494DF}">
-                  <a14:hiddenLine xmlns="" xmlns:a14="http://schemas.microsoft.com/office/drawing/2010/main" w="9525">
+                  <a14:hiddenLine xmlns:a14="http://schemas.microsoft.com/office/drawing/2010/main" xmlns="" w="9525">
                     <a:solidFill>
                       <a:srgbClr val="000000"/>
                     </a:solidFill>
@@ -9509,7 +9514,7 @@
               </a:ln>
               <a:extLst>
                 <a:ext uri="{91240B29-F687-4f45-9708-019B960494DF}">
-                  <a14:hiddenLine xmlns="" xmlns:a14="http://schemas.microsoft.com/office/drawing/2010/main" w="9525">
+                  <a14:hiddenLine xmlns:a14="http://schemas.microsoft.com/office/drawing/2010/main" xmlns="" w="9525">
                     <a:solidFill>
                       <a:srgbClr val="000000"/>
                     </a:solidFill>
@@ -9571,7 +9576,7 @@
               </a:ln>
               <a:extLst>
                 <a:ext uri="{91240B29-F687-4f45-9708-019B960494DF}">
-                  <a14:hiddenLine xmlns="" xmlns:a14="http://schemas.microsoft.com/office/drawing/2010/main" w="9525">
+                  <a14:hiddenLine xmlns:a14="http://schemas.microsoft.com/office/drawing/2010/main" xmlns="" w="9525">
                     <a:solidFill>
                       <a:srgbClr val="000000"/>
                     </a:solidFill>
@@ -9661,7 +9666,7 @@
               </a:ln>
               <a:extLst>
                 <a:ext uri="{91240B29-F687-4f45-9708-019B960494DF}">
-                  <a14:hiddenLine xmlns="" xmlns:a14="http://schemas.microsoft.com/office/drawing/2010/main" w="9525">
+                  <a14:hiddenLine xmlns:a14="http://schemas.microsoft.com/office/drawing/2010/main" xmlns="" w="9525">
                     <a:solidFill>
                       <a:srgbClr val="000000"/>
                     </a:solidFill>
@@ -9751,7 +9756,7 @@
               </a:ln>
               <a:extLst>
                 <a:ext uri="{91240B29-F687-4f45-9708-019B960494DF}">
-                  <a14:hiddenLine xmlns="" xmlns:a14="http://schemas.microsoft.com/office/drawing/2010/main" w="9525">
+                  <a14:hiddenLine xmlns:a14="http://schemas.microsoft.com/office/drawing/2010/main" xmlns="" w="9525">
                     <a:solidFill>
                       <a:srgbClr val="000000"/>
                     </a:solidFill>
@@ -9813,7 +9818,7 @@
               </a:ln>
               <a:extLst>
                 <a:ext uri="{91240B29-F687-4f45-9708-019B960494DF}">
-                  <a14:hiddenLine xmlns="" xmlns:a14="http://schemas.microsoft.com/office/drawing/2010/main" w="9525">
+                  <a14:hiddenLine xmlns:a14="http://schemas.microsoft.com/office/drawing/2010/main" xmlns="" w="9525">
                     <a:solidFill>
                       <a:srgbClr val="000000"/>
                     </a:solidFill>
@@ -9923,7 +9928,7 @@
               </a:ln>
               <a:extLst>
                 <a:ext uri="{91240B29-F687-4f45-9708-019B960494DF}">
-                  <a14:hiddenLine xmlns="" xmlns:a14="http://schemas.microsoft.com/office/drawing/2010/main" w="9525">
+                  <a14:hiddenLine xmlns:a14="http://schemas.microsoft.com/office/drawing/2010/main" xmlns="" w="9525">
                     <a:solidFill>
                       <a:srgbClr val="000000"/>
                     </a:solidFill>
@@ -10007,7 +10012,7 @@
               </a:ln>
               <a:extLst>
                 <a:ext uri="{91240B29-F687-4f45-9708-019B960494DF}">
-                  <a14:hiddenLine xmlns="" xmlns:a14="http://schemas.microsoft.com/office/drawing/2010/main" w="9525">
+                  <a14:hiddenLine xmlns:a14="http://schemas.microsoft.com/office/drawing/2010/main" xmlns="" w="9525">
                     <a:solidFill>
                       <a:srgbClr val="000000"/>
                     </a:solidFill>
@@ -10069,7 +10074,7 @@
               </a:ln>
               <a:extLst>
                 <a:ext uri="{91240B29-F687-4f45-9708-019B960494DF}">
-                  <a14:hiddenLine xmlns="" xmlns:a14="http://schemas.microsoft.com/office/drawing/2010/main" w="9525">
+                  <a14:hiddenLine xmlns:a14="http://schemas.microsoft.com/office/drawing/2010/main" xmlns="" w="9525">
                     <a:solidFill>
                       <a:srgbClr val="000000"/>
                     </a:solidFill>
@@ -10131,7 +10136,7 @@
               </a:ln>
               <a:extLst>
                 <a:ext uri="{91240B29-F687-4f45-9708-019B960494DF}">
-                  <a14:hiddenLine xmlns="" xmlns:a14="http://schemas.microsoft.com/office/drawing/2010/main" w="9525">
+                  <a14:hiddenLine xmlns:a14="http://schemas.microsoft.com/office/drawing/2010/main" xmlns="" w="9525">
                     <a:solidFill>
                       <a:srgbClr val="000000"/>
                     </a:solidFill>
@@ -10221,7 +10226,7 @@
               </a:ln>
               <a:extLst>
                 <a:ext uri="{91240B29-F687-4f45-9708-019B960494DF}">
-                  <a14:hiddenLine xmlns="" xmlns:a14="http://schemas.microsoft.com/office/drawing/2010/main" w="9525">
+                  <a14:hiddenLine xmlns:a14="http://schemas.microsoft.com/office/drawing/2010/main" xmlns="" w="9525">
                     <a:solidFill>
                       <a:srgbClr val="000000"/>
                     </a:solidFill>
@@ -10255,7 +10260,7 @@
               </a:ln>
               <a:extLst>
                 <a:ext uri="{91240B29-F687-4f45-9708-019B960494DF}">
-                  <a14:hiddenLine xmlns="" xmlns:a14="http://schemas.microsoft.com/office/drawing/2010/main" w="9525">
+                  <a14:hiddenLine xmlns:a14="http://schemas.microsoft.com/office/drawing/2010/main" xmlns="" w="9525">
                     <a:solidFill>
                       <a:srgbClr val="000000"/>
                     </a:solidFill>
@@ -10320,7 +10325,7 @@
               </a:ln>
               <a:extLst>
                 <a:ext uri="{91240B29-F687-4f45-9708-019B960494DF}">
-                  <a14:hiddenLine xmlns="" xmlns:a14="http://schemas.microsoft.com/office/drawing/2010/main" w="9525">
+                  <a14:hiddenLine xmlns:a14="http://schemas.microsoft.com/office/drawing/2010/main" xmlns="" w="9525">
                     <a:solidFill>
                       <a:srgbClr val="000000"/>
                     </a:solidFill>
@@ -10410,7 +10415,7 @@
               </a:ln>
               <a:extLst>
                 <a:ext uri="{91240B29-F687-4f45-9708-019B960494DF}">
-                  <a14:hiddenLine xmlns="" xmlns:a14="http://schemas.microsoft.com/office/drawing/2010/main" w="9525">
+                  <a14:hiddenLine xmlns:a14="http://schemas.microsoft.com/office/drawing/2010/main" xmlns="" w="9525">
                     <a:solidFill>
                       <a:srgbClr val="000000"/>
                     </a:solidFill>
@@ -10472,7 +10477,7 @@
               </a:ln>
               <a:extLst>
                 <a:ext uri="{91240B29-F687-4f45-9708-019B960494DF}">
-                  <a14:hiddenLine xmlns="" xmlns:a14="http://schemas.microsoft.com/office/drawing/2010/main" w="9525">
+                  <a14:hiddenLine xmlns:a14="http://schemas.microsoft.com/office/drawing/2010/main" xmlns="" w="9525">
                     <a:solidFill>
                       <a:srgbClr val="000000"/>
                     </a:solidFill>
@@ -10562,7 +10567,7 @@
               </a:ln>
               <a:extLst>
                 <a:ext uri="{91240B29-F687-4f45-9708-019B960494DF}">
-                  <a14:hiddenLine xmlns="" xmlns:a14="http://schemas.microsoft.com/office/drawing/2010/main" w="9525">
+                  <a14:hiddenLine xmlns:a14="http://schemas.microsoft.com/office/drawing/2010/main" xmlns="" w="9525">
                     <a:solidFill>
                       <a:srgbClr val="000000"/>
                     </a:solidFill>
@@ -10627,7 +10632,7 @@
               </a:ln>
               <a:extLst>
                 <a:ext uri="{91240B29-F687-4f45-9708-019B960494DF}">
-                  <a14:hiddenLine xmlns="" xmlns:a14="http://schemas.microsoft.com/office/drawing/2010/main" w="9525">
+                  <a14:hiddenLine xmlns:a14="http://schemas.microsoft.com/office/drawing/2010/main" xmlns="" w="9525">
                     <a:solidFill>
                       <a:srgbClr val="000000"/>
                     </a:solidFill>
@@ -10689,7 +10694,7 @@
               </a:ln>
               <a:extLst>
                 <a:ext uri="{91240B29-F687-4f45-9708-019B960494DF}">
-                  <a14:hiddenLine xmlns="" xmlns:a14="http://schemas.microsoft.com/office/drawing/2010/main" w="9525">
+                  <a14:hiddenLine xmlns:a14="http://schemas.microsoft.com/office/drawing/2010/main" xmlns="" w="9525">
                     <a:solidFill>
                       <a:srgbClr val="000000"/>
                     </a:solidFill>
@@ -10779,7 +10784,7 @@
               </a:ln>
               <a:extLst>
                 <a:ext uri="{91240B29-F687-4f45-9708-019B960494DF}">
-                  <a14:hiddenLine xmlns="" xmlns:a14="http://schemas.microsoft.com/office/drawing/2010/main" w="9525">
+                  <a14:hiddenLine xmlns:a14="http://schemas.microsoft.com/office/drawing/2010/main" xmlns="" w="9525">
                     <a:solidFill>
                       <a:srgbClr val="000000"/>
                     </a:solidFill>
@@ -10869,7 +10874,7 @@
               </a:ln>
               <a:extLst>
                 <a:ext uri="{91240B29-F687-4f45-9708-019B960494DF}">
-                  <a14:hiddenLine xmlns="" xmlns:a14="http://schemas.microsoft.com/office/drawing/2010/main" w="9525">
+                  <a14:hiddenLine xmlns:a14="http://schemas.microsoft.com/office/drawing/2010/main" xmlns="" w="9525">
                     <a:solidFill>
                       <a:srgbClr val="000000"/>
                     </a:solidFill>
@@ -10934,7 +10939,7 @@
               </a:ln>
               <a:extLst>
                 <a:ext uri="{91240B29-F687-4f45-9708-019B960494DF}">
-                  <a14:hiddenLine xmlns="" xmlns:a14="http://schemas.microsoft.com/office/drawing/2010/main" w="9525">
+                  <a14:hiddenLine xmlns:a14="http://schemas.microsoft.com/office/drawing/2010/main" xmlns="" w="9525">
                     <a:solidFill>
                       <a:srgbClr val="000000"/>
                     </a:solidFill>
@@ -11054,7 +11059,7 @@
               </a:ln>
               <a:extLst>
                 <a:ext uri="{91240B29-F687-4f45-9708-019B960494DF}">
-                  <a14:hiddenLine xmlns="" xmlns:a14="http://schemas.microsoft.com/office/drawing/2010/main" w="9525">
+                  <a14:hiddenLine xmlns:a14="http://schemas.microsoft.com/office/drawing/2010/main" xmlns="" w="9525">
                     <a:solidFill>
                       <a:srgbClr val="000000"/>
                     </a:solidFill>
@@ -11152,7 +11157,7 @@
               </a:ln>
               <a:extLst>
                 <a:ext uri="{91240B29-F687-4f45-9708-019B960494DF}">
-                  <a14:hiddenLine xmlns="" xmlns:a14="http://schemas.microsoft.com/office/drawing/2010/main" w="9525">
+                  <a14:hiddenLine xmlns:a14="http://schemas.microsoft.com/office/drawing/2010/main" xmlns="" w="9525">
                     <a:solidFill>
                       <a:srgbClr val="000000"/>
                     </a:solidFill>
@@ -11267,7 +11272,7 @@
               </a:ln>
               <a:extLst>
                 <a:ext uri="{91240B29-F687-4f45-9708-019B960494DF}">
-                  <a14:hiddenLine xmlns="" xmlns:a14="http://schemas.microsoft.com/office/drawing/2010/main" w="9525">
+                  <a14:hiddenLine xmlns:a14="http://schemas.microsoft.com/office/drawing/2010/main" xmlns="" w="9525">
                     <a:solidFill>
                       <a:srgbClr val="000000"/>
                     </a:solidFill>
@@ -11357,7 +11362,7 @@
               </a:ln>
               <a:extLst>
                 <a:ext uri="{91240B29-F687-4f45-9708-019B960494DF}">
-                  <a14:hiddenLine xmlns="" xmlns:a14="http://schemas.microsoft.com/office/drawing/2010/main" w="9525">
+                  <a14:hiddenLine xmlns:a14="http://schemas.microsoft.com/office/drawing/2010/main" xmlns="" w="9525">
                     <a:solidFill>
                       <a:srgbClr val="000000"/>
                     </a:solidFill>
@@ -11422,7 +11427,7 @@
               </a:ln>
               <a:extLst>
                 <a:ext uri="{91240B29-F687-4f45-9708-019B960494DF}">
-                  <a14:hiddenLine xmlns="" xmlns:a14="http://schemas.microsoft.com/office/drawing/2010/main" w="9525">
+                  <a14:hiddenLine xmlns:a14="http://schemas.microsoft.com/office/drawing/2010/main" xmlns="" w="9525">
                     <a:solidFill>
                       <a:srgbClr val="000000"/>
                     </a:solidFill>
@@ -11512,7 +11517,7 @@
               </a:ln>
               <a:extLst>
                 <a:ext uri="{91240B29-F687-4f45-9708-019B960494DF}">
-                  <a14:hiddenLine xmlns="" xmlns:a14="http://schemas.microsoft.com/office/drawing/2010/main" w="9525">
+                  <a14:hiddenLine xmlns:a14="http://schemas.microsoft.com/office/drawing/2010/main" xmlns="" w="9525">
                     <a:solidFill>
                       <a:srgbClr val="000000"/>
                     </a:solidFill>
@@ -11580,7 +11585,7 @@
               </a:ln>
               <a:extLst>
                 <a:ext uri="{91240B29-F687-4f45-9708-019B960494DF}">
-                  <a14:hiddenLine xmlns="" xmlns:a14="http://schemas.microsoft.com/office/drawing/2010/main" w="9525">
+                  <a14:hiddenLine xmlns:a14="http://schemas.microsoft.com/office/drawing/2010/main" xmlns="" w="9525">
                     <a:solidFill>
                       <a:srgbClr val="000000"/>
                     </a:solidFill>
@@ -11670,7 +11675,7 @@
               </a:ln>
               <a:extLst>
                 <a:ext uri="{91240B29-F687-4f45-9708-019B960494DF}">
-                  <a14:hiddenLine xmlns="" xmlns:a14="http://schemas.microsoft.com/office/drawing/2010/main" w="9525">
+                  <a14:hiddenLine xmlns:a14="http://schemas.microsoft.com/office/drawing/2010/main" xmlns="" w="9525">
                     <a:solidFill>
                       <a:srgbClr val="000000"/>
                     </a:solidFill>
@@ -11738,7 +11743,7 @@
               </a:ln>
               <a:extLst>
                 <a:ext uri="{91240B29-F687-4f45-9708-019B960494DF}">
-                  <a14:hiddenLine xmlns="" xmlns:a14="http://schemas.microsoft.com/office/drawing/2010/main" w="9525">
+                  <a14:hiddenLine xmlns:a14="http://schemas.microsoft.com/office/drawing/2010/main" xmlns="" w="9525">
                     <a:solidFill>
                       <a:srgbClr val="000000"/>
                     </a:solidFill>
@@ -11828,7 +11833,7 @@
               </a:ln>
               <a:extLst>
                 <a:ext uri="{91240B29-F687-4f45-9708-019B960494DF}">
-                  <a14:hiddenLine xmlns="" xmlns:a14="http://schemas.microsoft.com/office/drawing/2010/main" w="9525">
+                  <a14:hiddenLine xmlns:a14="http://schemas.microsoft.com/office/drawing/2010/main" xmlns="" w="9525">
                     <a:solidFill>
                       <a:srgbClr val="000000"/>
                     </a:solidFill>
@@ -11862,7 +11867,7 @@
               </a:ln>
               <a:extLst>
                 <a:ext uri="{91240B29-F687-4f45-9708-019B960494DF}">
-                  <a14:hiddenLine xmlns="" xmlns:a14="http://schemas.microsoft.com/office/drawing/2010/main" w="9525">
+                  <a14:hiddenLine xmlns:a14="http://schemas.microsoft.com/office/drawing/2010/main" xmlns="" w="9525">
                     <a:solidFill>
                       <a:srgbClr val="000000"/>
                     </a:solidFill>
@@ -11916,7 +11921,7 @@
           <a:noFill/>
           <a:extLst>
             <a:ext uri="{909E8E84-426E-40dd-AFC4-6F175D3DCCD1}">
-              <a14:hiddenFill xmlns="" xmlns:a14="http://schemas.microsoft.com/office/drawing/2010/main">
+              <a14:hiddenFill xmlns:a14="http://schemas.microsoft.com/office/drawing/2010/main" xmlns="">
                 <a:solidFill>
                   <a:srgbClr val="FFFFFF"/>
                 </a:solidFill>
@@ -12051,7 +12056,7 @@
           <a:p>
             <a:fld id="{5BCAD085-E8A6-8845-BD4E-CB4CCA059FC4}" type="datetimeFigureOut">
               <a:rPr lang="en-US" smtClean="0"/>
-              <a:t>2/18/2025</a:t>
+              <a:t>3/11/2025</a:t>
             </a:fld>
             <a:endParaRPr lang="en-US"/>
           </a:p>
@@ -12636,6 +12641,541 @@
           <a:chExt cx="0" cy="0"/>
         </a:xfrm>
       </p:grpSpPr>
+      <p:pic>
+        <p:nvPicPr>
+          <p:cNvPr id="5" name="Content Placeholder 4">
+            <a:extLst>
+              <a:ext uri="{FF2B5EF4-FFF2-40B4-BE49-F238E27FC236}">
+                <a16:creationId xmlns:a16="http://schemas.microsoft.com/office/drawing/2014/main" id="{5E28B844-E0E6-C57C-D62D-79CEFCA2C067}"/>
+              </a:ext>
+            </a:extLst>
+          </p:cNvPr>
+          <p:cNvPicPr>
+            <a:picLocks noGrp="1" noChangeAspect="1"/>
+          </p:cNvPicPr>
+          <p:nvPr>
+            <p:ph idx="1"/>
+          </p:nvPr>
+        </p:nvPicPr>
+        <p:blipFill>
+          <a:blip r:embed="rId2"/>
+          <a:stretch>
+            <a:fillRect/>
+          </a:stretch>
+        </p:blipFill>
+        <p:spPr>
+          <a:xfrm>
+            <a:off x="924232" y="1769806"/>
+            <a:ext cx="7443020" cy="4021394"/>
+          </a:xfrm>
+        </p:spPr>
+      </p:pic>
+      <p:sp>
+        <p:nvSpPr>
+          <p:cNvPr id="7" name="TextBox 6">
+            <a:extLst>
+              <a:ext uri="{FF2B5EF4-FFF2-40B4-BE49-F238E27FC236}">
+                <a16:creationId xmlns:a16="http://schemas.microsoft.com/office/drawing/2014/main" id="{3300D932-54C9-9960-A05E-7005AFB8D52D}"/>
+              </a:ext>
+            </a:extLst>
+          </p:cNvPr>
+          <p:cNvSpPr txBox="1"/>
+          <p:nvPr/>
+        </p:nvSpPr>
+        <p:spPr>
+          <a:xfrm>
+            <a:off x="1356851" y="743634"/>
+            <a:ext cx="6518787" cy="954107"/>
+          </a:xfrm>
+          <a:prstGeom prst="rect">
+            <a:avLst/>
+          </a:prstGeom>
+          <a:noFill/>
+        </p:spPr>
+        <p:txBody>
+          <a:bodyPr wrap="square">
+            <a:spAutoFit/>
+          </a:bodyPr>
+          <a:lstStyle/>
+          <a:p>
+            <a:r>
+              <a:rPr lang="en-US" sz="2800" cap="none" dirty="0">
+                <a:solidFill>
+                  <a:schemeClr val="tx1"/>
+                </a:solidFill>
+              </a:rPr>
+              <a:t>- Suggests nearby recycling centers based on location.</a:t>
+            </a:r>
+          </a:p>
+        </p:txBody>
+      </p:sp>
+    </p:spTree>
+    <p:extLst>
+      <p:ext uri="{BB962C8B-B14F-4D97-AF65-F5344CB8AC3E}">
+        <p14:creationId xmlns:p14="http://schemas.microsoft.com/office/powerpoint/2010/main" val="2006601542"/>
+      </p:ext>
+    </p:extLst>
+  </p:cSld>
+  <p:clrMapOvr>
+    <a:masterClrMapping/>
+  </p:clrMapOvr>
+</p:sld>
+</file>
+
+<file path=ppt/slides/slide11.xml><?xml version="1.0" encoding="utf-8"?>
+<p:sld xmlns:a="http://schemas.openxmlformats.org/drawingml/2006/main" xmlns:r="http://schemas.openxmlformats.org/officeDocument/2006/relationships" xmlns:p="http://schemas.openxmlformats.org/presentationml/2006/main">
+  <p:cSld>
+    <p:spTree>
+      <p:nvGrpSpPr>
+        <p:cNvPr id="1" name=""/>
+        <p:cNvGrpSpPr/>
+        <p:nvPr/>
+      </p:nvGrpSpPr>
+      <p:grpSpPr>
+        <a:xfrm>
+          <a:off x="0" y="0"/>
+          <a:ext cx="0" cy="0"/>
+          <a:chOff x="0" y="0"/>
+          <a:chExt cx="0" cy="0"/>
+        </a:xfrm>
+      </p:grpSpPr>
+      <p:sp>
+        <p:nvSpPr>
+          <p:cNvPr id="3" name="Content Placeholder 2">
+            <a:extLst>
+              <a:ext uri="{FF2B5EF4-FFF2-40B4-BE49-F238E27FC236}">
+                <a16:creationId xmlns:a16="http://schemas.microsoft.com/office/drawing/2014/main" id="{7D742F3E-5735-C898-A2A3-ABCF856E33C0}"/>
+              </a:ext>
+            </a:extLst>
+          </p:cNvPr>
+          <p:cNvSpPr>
+            <a:spLocks noGrp="1"/>
+          </p:cNvSpPr>
+          <p:nvPr>
+            <p:ph idx="1"/>
+          </p:nvPr>
+        </p:nvSpPr>
+        <p:spPr>
+          <a:xfrm>
+            <a:off x="856060" y="688258"/>
+            <a:ext cx="7429499" cy="5102943"/>
+          </a:xfrm>
+        </p:spPr>
+        <p:txBody>
+          <a:bodyPr/>
+          <a:lstStyle/>
+          <a:p>
+            <a:r>
+              <a:rPr lang="en-US" sz="2400" cap="none" dirty="0">
+                <a:solidFill>
+                  <a:schemeClr val="tx1"/>
+                </a:solidFill>
+              </a:rPr>
+              <a:t>5. Community challenges:</a:t>
+            </a:r>
+          </a:p>
+          <a:p>
+            <a:r>
+              <a:rPr lang="en-US" sz="2400" cap="none" dirty="0">
+                <a:solidFill>
+                  <a:schemeClr val="tx1"/>
+                </a:solidFill>
+              </a:rPr>
+              <a:t>   - Gamification like Trivia Quiz Questions.</a:t>
+            </a:r>
+          </a:p>
+          <a:p>
+            <a:endParaRPr lang="en-IN" dirty="0"/>
+          </a:p>
+        </p:txBody>
+      </p:sp>
+      <p:pic>
+        <p:nvPicPr>
+          <p:cNvPr id="5" name="Picture 4">
+            <a:extLst>
+              <a:ext uri="{FF2B5EF4-FFF2-40B4-BE49-F238E27FC236}">
+                <a16:creationId xmlns:a16="http://schemas.microsoft.com/office/drawing/2014/main" id="{2FEA045F-05A3-51C0-D3FC-6761F6B0BE94}"/>
+              </a:ext>
+            </a:extLst>
+          </p:cNvPr>
+          <p:cNvPicPr>
+            <a:picLocks noChangeAspect="1"/>
+          </p:cNvPicPr>
+          <p:nvPr/>
+        </p:nvPicPr>
+        <p:blipFill>
+          <a:blip r:embed="rId2"/>
+          <a:stretch>
+            <a:fillRect/>
+          </a:stretch>
+        </p:blipFill>
+        <p:spPr>
+          <a:xfrm>
+            <a:off x="1189703" y="1994412"/>
+            <a:ext cx="6587613" cy="3499669"/>
+          </a:xfrm>
+          <a:prstGeom prst="rect">
+            <a:avLst/>
+          </a:prstGeom>
+        </p:spPr>
+      </p:pic>
+    </p:spTree>
+    <p:extLst>
+      <p:ext uri="{BB962C8B-B14F-4D97-AF65-F5344CB8AC3E}">
+        <p14:creationId xmlns:p14="http://schemas.microsoft.com/office/powerpoint/2010/main" val="87472062"/>
+      </p:ext>
+    </p:extLst>
+  </p:cSld>
+  <p:clrMapOvr>
+    <a:masterClrMapping/>
+  </p:clrMapOvr>
+</p:sld>
+</file>
+
+<file path=ppt/slides/slide12.xml><?xml version="1.0" encoding="utf-8"?>
+<p:sld xmlns:a="http://schemas.openxmlformats.org/drawingml/2006/main" xmlns:r="http://schemas.openxmlformats.org/officeDocument/2006/relationships" xmlns:p="http://schemas.openxmlformats.org/presentationml/2006/main">
+  <p:cSld>
+    <p:spTree>
+      <p:nvGrpSpPr>
+        <p:cNvPr id="1" name=""/>
+        <p:cNvGrpSpPr/>
+        <p:nvPr/>
+      </p:nvGrpSpPr>
+      <p:grpSpPr>
+        <a:xfrm>
+          <a:off x="0" y="0"/>
+          <a:ext cx="0" cy="0"/>
+          <a:chOff x="0" y="0"/>
+          <a:chExt cx="0" cy="0"/>
+        </a:xfrm>
+      </p:grpSpPr>
+      <p:sp>
+        <p:nvSpPr>
+          <p:cNvPr id="2" name="Title 1">
+            <a:extLst>
+              <a:ext uri="{FF2B5EF4-FFF2-40B4-BE49-F238E27FC236}">
+                <a16:creationId xmlns:a16="http://schemas.microsoft.com/office/drawing/2014/main" id="{E024F710-091A-5213-E455-042E4E6559CC}"/>
+              </a:ext>
+            </a:extLst>
+          </p:cNvPr>
+          <p:cNvSpPr>
+            <a:spLocks noGrp="1"/>
+          </p:cNvSpPr>
+          <p:nvPr>
+            <p:ph type="title"/>
+          </p:nvPr>
+        </p:nvSpPr>
+        <p:spPr>
+          <a:xfrm>
+            <a:off x="856060" y="461206"/>
+            <a:ext cx="7429499" cy="1478570"/>
+          </a:xfrm>
+        </p:spPr>
+        <p:txBody>
+          <a:bodyPr/>
+          <a:lstStyle/>
+          <a:p>
+            <a:pPr algn="ctr"/>
+            <a:r>
+              <a:rPr lang="en-IN" dirty="0"/>
+              <a:t>Database</a:t>
+            </a:r>
+          </a:p>
+        </p:txBody>
+      </p:sp>
+      <p:pic>
+        <p:nvPicPr>
+          <p:cNvPr id="5" name="Content Placeholder 4">
+            <a:extLst>
+              <a:ext uri="{FF2B5EF4-FFF2-40B4-BE49-F238E27FC236}">
+                <a16:creationId xmlns:a16="http://schemas.microsoft.com/office/drawing/2014/main" id="{DB972A3C-F6AC-E2F7-4FEC-4A557DF84A99}"/>
+              </a:ext>
+            </a:extLst>
+          </p:cNvPr>
+          <p:cNvPicPr>
+            <a:picLocks noGrp="1" noChangeAspect="1"/>
+          </p:cNvPicPr>
+          <p:nvPr>
+            <p:ph idx="1"/>
+          </p:nvPr>
+        </p:nvPicPr>
+        <p:blipFill>
+          <a:blip r:embed="rId2"/>
+          <a:stretch>
+            <a:fillRect/>
+          </a:stretch>
+        </p:blipFill>
+        <p:spPr>
+          <a:xfrm>
+            <a:off x="1563329" y="2300749"/>
+            <a:ext cx="6282813" cy="3313470"/>
+          </a:xfrm>
+        </p:spPr>
+      </p:pic>
+    </p:spTree>
+    <p:extLst>
+      <p:ext uri="{BB962C8B-B14F-4D97-AF65-F5344CB8AC3E}">
+        <p14:creationId xmlns:p14="http://schemas.microsoft.com/office/powerpoint/2010/main" val="2169093687"/>
+      </p:ext>
+    </p:extLst>
+  </p:cSld>
+  <p:clrMapOvr>
+    <a:masterClrMapping/>
+  </p:clrMapOvr>
+</p:sld>
+</file>
+
+<file path=ppt/slides/slide13.xml><?xml version="1.0" encoding="utf-8"?>
+<p:sld xmlns:a="http://schemas.openxmlformats.org/drawingml/2006/main" xmlns:r="http://schemas.openxmlformats.org/officeDocument/2006/relationships" xmlns:p="http://schemas.openxmlformats.org/presentationml/2006/main">
+  <p:cSld>
+    <p:spTree>
+      <p:nvGrpSpPr>
+        <p:cNvPr id="1" name=""/>
+        <p:cNvGrpSpPr/>
+        <p:nvPr/>
+      </p:nvGrpSpPr>
+      <p:grpSpPr>
+        <a:xfrm>
+          <a:off x="0" y="0"/>
+          <a:ext cx="0" cy="0"/>
+          <a:chOff x="0" y="0"/>
+          <a:chExt cx="0" cy="0"/>
+        </a:xfrm>
+      </p:grpSpPr>
+      <p:sp>
+        <p:nvSpPr>
+          <p:cNvPr id="2" name="Title 1"/>
+          <p:cNvSpPr>
+            <a:spLocks noGrp="1"/>
+          </p:cNvSpPr>
+          <p:nvPr>
+            <p:ph type="title"/>
+          </p:nvPr>
+        </p:nvSpPr>
+        <p:spPr>
+          <a:xfrm>
+            <a:off x="1170692" y="273932"/>
+            <a:ext cx="7429499" cy="689172"/>
+          </a:xfrm>
+        </p:spPr>
+        <p:txBody>
+          <a:bodyPr>
+            <a:normAutofit fontScale="90000"/>
+          </a:bodyPr>
+          <a:lstStyle/>
+          <a:p>
+            <a:r>
+              <a:rPr sz="4800" dirty="0"/>
+              <a:t>Technologies Used</a:t>
+            </a:r>
+          </a:p>
+        </p:txBody>
+      </p:sp>
+      <p:sp>
+        <p:nvSpPr>
+          <p:cNvPr id="3" name="Content Placeholder 2"/>
+          <p:cNvSpPr>
+            <a:spLocks noGrp="1"/>
+          </p:cNvSpPr>
+          <p:nvPr>
+            <p:ph idx="1"/>
+          </p:nvPr>
+        </p:nvSpPr>
+        <p:spPr>
+          <a:xfrm>
+            <a:off x="1170692" y="963104"/>
+            <a:ext cx="7429499" cy="4778935"/>
+          </a:xfrm>
+        </p:spPr>
+        <p:txBody>
+          <a:bodyPr>
+            <a:noAutofit/>
+          </a:bodyPr>
+          <a:lstStyle/>
+          <a:p>
+            <a:pPr marL="0" indent="0">
+              <a:buNone/>
+            </a:pPr>
+            <a:r>
+              <a:rPr sz="2800" dirty="0"/>
+              <a:t>1. Frontend: React.js</a:t>
+            </a:r>
+            <a:r>
+              <a:rPr lang="en-IN" sz="2800" dirty="0"/>
+              <a:t>.</a:t>
+            </a:r>
+            <a:endParaRPr sz="2800" dirty="0"/>
+          </a:p>
+          <a:p>
+            <a:pPr marL="0" indent="0">
+              <a:buNone/>
+            </a:pPr>
+            <a:r>
+              <a:rPr sz="2800" dirty="0"/>
+              <a:t>2. Backend: Node.js and Express.js for API development.</a:t>
+            </a:r>
+          </a:p>
+          <a:p>
+            <a:pPr marL="0" indent="0">
+              <a:buNone/>
+            </a:pPr>
+            <a:r>
+              <a:rPr sz="2800" dirty="0"/>
+              <a:t>3. Database: MongoDB</a:t>
+            </a:r>
+            <a:r>
+              <a:rPr lang="en-IN" sz="2800" dirty="0"/>
+              <a:t>.</a:t>
+            </a:r>
+            <a:endParaRPr sz="2800" dirty="0"/>
+          </a:p>
+          <a:p>
+            <a:pPr marL="0" indent="0">
+              <a:buNone/>
+            </a:pPr>
+            <a:r>
+              <a:rPr sz="2800" dirty="0"/>
+              <a:t>4. Machine Learning: TensorFlow.js or Python for plastic item recognition.</a:t>
+            </a:r>
+          </a:p>
+          <a:p>
+            <a:pPr marL="0" indent="0">
+              <a:buNone/>
+            </a:pPr>
+            <a:r>
+              <a:rPr sz="2800" dirty="0"/>
+              <a:t>5. APIs: </a:t>
+            </a:r>
+            <a:r>
+              <a:rPr lang="en-IN" sz="2800" dirty="0"/>
+              <a:t>In the frontend</a:t>
+            </a:r>
+            <a:r>
+              <a:rPr sz="2800" dirty="0"/>
+              <a:t> Geolocation API</a:t>
+            </a:r>
+            <a:r>
+              <a:rPr lang="en-IN" sz="2800" dirty="0"/>
+              <a:t> is used and plot it on Leaflet Map </a:t>
+            </a:r>
+            <a:r>
+              <a:rPr sz="2800" dirty="0"/>
+              <a:t>for location-based services.</a:t>
+            </a:r>
+          </a:p>
+        </p:txBody>
+      </p:sp>
+    </p:spTree>
+  </p:cSld>
+  <p:clrMapOvr>
+    <a:masterClrMapping/>
+  </p:clrMapOvr>
+</p:sld>
+</file>
+
+<file path=ppt/slides/slide14.xml><?xml version="1.0" encoding="utf-8"?>
+<p:sld xmlns:a="http://schemas.openxmlformats.org/drawingml/2006/main" xmlns:r="http://schemas.openxmlformats.org/officeDocument/2006/relationships" xmlns:p="http://schemas.openxmlformats.org/presentationml/2006/main">
+  <p:cSld>
+    <p:spTree>
+      <p:nvGrpSpPr>
+        <p:cNvPr id="1" name=""/>
+        <p:cNvGrpSpPr/>
+        <p:nvPr/>
+      </p:nvGrpSpPr>
+      <p:grpSpPr>
+        <a:xfrm>
+          <a:off x="0" y="0"/>
+          <a:ext cx="0" cy="0"/>
+          <a:chOff x="0" y="0"/>
+          <a:chExt cx="0" cy="0"/>
+        </a:xfrm>
+      </p:grpSpPr>
+      <p:sp>
+        <p:nvSpPr>
+          <p:cNvPr id="2" name="Title 1"/>
+          <p:cNvSpPr>
+            <a:spLocks noGrp="1"/>
+          </p:cNvSpPr>
+          <p:nvPr>
+            <p:ph type="title"/>
+          </p:nvPr>
+        </p:nvSpPr>
+        <p:spPr>
+          <a:xfrm>
+            <a:off x="856060" y="618518"/>
+            <a:ext cx="7429499" cy="787495"/>
+          </a:xfrm>
+        </p:spPr>
+        <p:txBody>
+          <a:bodyPr>
+            <a:normAutofit/>
+          </a:bodyPr>
+          <a:lstStyle/>
+          <a:p>
+            <a:r>
+              <a:rPr sz="4800" dirty="0"/>
+              <a:t>Conclusion</a:t>
+            </a:r>
+          </a:p>
+        </p:txBody>
+      </p:sp>
+      <p:sp>
+        <p:nvSpPr>
+          <p:cNvPr id="3" name="Content Placeholder 2"/>
+          <p:cNvSpPr>
+            <a:spLocks noGrp="1"/>
+          </p:cNvSpPr>
+          <p:nvPr>
+            <p:ph idx="1"/>
+          </p:nvPr>
+        </p:nvSpPr>
+        <p:spPr>
+          <a:xfrm>
+            <a:off x="857250" y="1469723"/>
+            <a:ext cx="7429499" cy="4665605"/>
+          </a:xfrm>
+        </p:spPr>
+        <p:txBody>
+          <a:bodyPr>
+            <a:noAutofit/>
+          </a:bodyPr>
+          <a:lstStyle/>
+          <a:p>
+            <a:pPr marL="0" indent="0" algn="just">
+              <a:buNone/>
+            </a:pPr>
+            <a:r>
+              <a:rPr sz="2800" dirty="0"/>
+              <a:t>This project aims to create an impactful platform that raises awareness about plastic pollution, educates users about recycling, and motivates them to adopt sustainable habits through gamified challenges and community engagement. By bridging the gap between knowledge and action, this solution can contribute to reducing plastic waste and promoting a healthier environment for future generations.</a:t>
+            </a:r>
+          </a:p>
+        </p:txBody>
+      </p:sp>
+    </p:spTree>
+  </p:cSld>
+  <p:clrMapOvr>
+    <a:masterClrMapping/>
+  </p:clrMapOvr>
+</p:sld>
+</file>
+
+<file path=ppt/slides/slide15.xml><?xml version="1.0" encoding="utf-8"?>
+<p:sld xmlns:a="http://schemas.openxmlformats.org/drawingml/2006/main" xmlns:r="http://schemas.openxmlformats.org/officeDocument/2006/relationships" xmlns:p="http://schemas.openxmlformats.org/presentationml/2006/main">
+  <p:cSld>
+    <p:spTree>
+      <p:nvGrpSpPr>
+        <p:cNvPr id="1" name=""/>
+        <p:cNvGrpSpPr/>
+        <p:nvPr/>
+      </p:nvGrpSpPr>
+      <p:grpSpPr>
+        <a:xfrm>
+          <a:off x="0" y="0"/>
+          <a:ext cx="0" cy="0"/>
+          <a:chOff x="0" y="0"/>
+          <a:chExt cx="0" cy="0"/>
+        </a:xfrm>
+      </p:grpSpPr>
       <p:sp>
         <p:nvSpPr>
           <p:cNvPr id="2" name="Title 1">
@@ -12949,13 +13489,13 @@
         </p:spPr>
         <p:txBody>
           <a:bodyPr>
-            <a:normAutofit fontScale="32500" lnSpcReduction="20000"/>
+            <a:normAutofit/>
           </a:bodyPr>
           <a:lstStyle/>
           <a:p>
             <a:pPr algn="just"/>
             <a:r>
-              <a:rPr lang="en-US" sz="8600" dirty="0">
+              <a:rPr lang="en-US" sz="2800" dirty="0">
                 <a:solidFill>
                   <a:schemeClr val="tx1"/>
                 </a:solidFill>
@@ -12964,7 +13504,7 @@
               <a:t>3. </a:t>
             </a:r>
             <a:r>
-              <a:rPr lang="en-US" sz="8600" cap="none" dirty="0">
+              <a:rPr lang="en-US" sz="2800" cap="none" dirty="0">
                 <a:solidFill>
                   <a:schemeClr val="tx1"/>
                 </a:solidFill>
@@ -12975,26 +13515,6 @@
           </a:p>
           <a:p>
             <a:pPr algn="just"/>
-            <a:r>
-              <a:rPr lang="en-US" sz="8600" dirty="0">
-                <a:solidFill>
-                  <a:schemeClr val="tx1"/>
-                </a:solidFill>
-                <a:effectLst/>
-              </a:rPr>
-              <a:t>4.</a:t>
-            </a:r>
-            <a:r>
-              <a:rPr lang="en-US" sz="8600" cap="none" dirty="0">
-                <a:solidFill>
-                  <a:schemeClr val="tx1"/>
-                </a:solidFill>
-                <a:effectLst/>
-              </a:rPr>
-              <a:t> Minimal personalization: existing systems do not offer recommendations based on individual plastic usage patterns.</a:t>
-            </a:r>
-          </a:p>
-          <a:p>
             <a:endParaRPr lang="en-IN" dirty="0"/>
           </a:p>
         </p:txBody>
@@ -13087,6 +13607,11 @@
               <a:rPr sz="2800" dirty="0"/>
               <a:t>1. Plastic Waste Calculator: Calculates daily/weekly plastic usage in kilograms and provides environmental impact insights.</a:t>
             </a:r>
+            <a:r>
+              <a:rPr lang="en-IN" sz="2800" dirty="0"/>
+              <a:t> Generates Report in pdf format.</a:t>
+            </a:r>
+            <a:endParaRPr sz="2800" dirty="0"/>
           </a:p>
           <a:p>
             <a:pPr marL="0" indent="0">
@@ -13094,9 +13619,12 @@
             </a:pPr>
             <a:r>
               <a:rPr sz="2800" dirty="0"/>
-              <a:t>2. Recycling Guide: Educates users on recyclable plastics, suggests nearby recycling centers, and offers DIY recycling projects.</a:t>
+              <a:t>2. Recycling Guide: Educates users on recyclable plastics, suggests nearby recycling centers</a:t>
             </a:r>
-            <a:endParaRPr lang="en-IN" sz="2800" dirty="0"/>
+            <a:r>
+              <a:rPr lang="en-IN" sz="2800" dirty="0"/>
+              <a:t>.</a:t>
+            </a:r>
           </a:p>
           <a:p>
             <a:pPr marL="0" indent="0">
@@ -13108,36 +13636,17 @@
                   <a:schemeClr val="tx1"/>
                 </a:solidFill>
               </a:rPr>
-              <a:t>3. Community challenges</a:t>
-            </a:r>
-            <a:r>
-              <a:rPr lang="en-US" sz="2800" cap="none">
-                <a:solidFill>
-                  <a:schemeClr val="tx1"/>
-                </a:solidFill>
-              </a:rPr>
-              <a:t>: Introduces </a:t>
-            </a:r>
-            <a:r>
-              <a:rPr lang="en-US" sz="2800" cap="none" dirty="0">
-                <a:solidFill>
-                  <a:schemeClr val="tx1"/>
-                </a:solidFill>
-              </a:rPr>
-              <a:t>gamified challenges</a:t>
+              <a:t>3. Community challenges: Introduces gamified challenges</a:t>
             </a:r>
             <a:r>
               <a:rPr lang="en-US" sz="2800" dirty="0"/>
-              <a:t> and</a:t>
+              <a:t> like Quiz.</a:t>
             </a:r>
-            <a:r>
-              <a:rPr lang="en-US" sz="2800" cap="none" dirty="0">
-                <a:solidFill>
-                  <a:schemeClr val="tx1"/>
-                </a:solidFill>
-              </a:rPr>
-              <a:t> badges.</a:t>
-            </a:r>
+            <a:endParaRPr lang="en-US" sz="2800" cap="none" dirty="0">
+              <a:solidFill>
+                <a:schemeClr val="tx1"/>
+              </a:solidFill>
+            </a:endParaRPr>
           </a:p>
           <a:p>
             <a:pPr marL="0" indent="0">
@@ -13241,31 +13750,78 @@
                   <a:schemeClr val="tx1"/>
                 </a:solidFill>
               </a:rPr>
-              <a:t>1. Plastic Waste Calculator:</a:t>
+              <a:t>1.User Login and Signup.</a:t>
             </a:r>
           </a:p>
           <a:p>
-            <a:r>
-              <a:rPr lang="en-US" sz="2800" cap="none" dirty="0">
-                <a:solidFill>
-                  <a:schemeClr val="tx1"/>
-                </a:solidFill>
-              </a:rPr>
-              <a:t>   - Users can input their plastic usage to calculate their plastic footprint in kilograms.</a:t>
-            </a:r>
-          </a:p>
-          <a:p>
-            <a:r>
-              <a:rPr lang="en-US" sz="2800" cap="none" dirty="0">
-                <a:solidFill>
-                  <a:schemeClr val="tx1"/>
-                </a:solidFill>
-              </a:rPr>
-              <a:t>   - Provides environmental impact comparisons.</a:t>
-            </a:r>
+            <a:endParaRPr lang="en-US" sz="2800" cap="none" dirty="0">
+              <a:solidFill>
+                <a:schemeClr val="tx1"/>
+              </a:solidFill>
+            </a:endParaRPr>
           </a:p>
         </p:txBody>
       </p:sp>
+      <p:pic>
+        <p:nvPicPr>
+          <p:cNvPr id="5" name="Picture 4">
+            <a:extLst>
+              <a:ext uri="{FF2B5EF4-FFF2-40B4-BE49-F238E27FC236}">
+                <a16:creationId xmlns:a16="http://schemas.microsoft.com/office/drawing/2014/main" id="{2241819E-FF66-2273-F401-EBD67EA4ED0D}"/>
+              </a:ext>
+            </a:extLst>
+          </p:cNvPr>
+          <p:cNvPicPr>
+            <a:picLocks noChangeAspect="1"/>
+          </p:cNvPicPr>
+          <p:nvPr/>
+        </p:nvPicPr>
+        <p:blipFill>
+          <a:blip r:embed="rId2"/>
+          <a:stretch>
+            <a:fillRect/>
+          </a:stretch>
+        </p:blipFill>
+        <p:spPr>
+          <a:xfrm>
+            <a:off x="117988" y="2859394"/>
+            <a:ext cx="4188542" cy="3541405"/>
+          </a:xfrm>
+          <a:prstGeom prst="rect">
+            <a:avLst/>
+          </a:prstGeom>
+        </p:spPr>
+      </p:pic>
+      <p:pic>
+        <p:nvPicPr>
+          <p:cNvPr id="7" name="Picture 6">
+            <a:extLst>
+              <a:ext uri="{FF2B5EF4-FFF2-40B4-BE49-F238E27FC236}">
+                <a16:creationId xmlns:a16="http://schemas.microsoft.com/office/drawing/2014/main" id="{253142F5-2F51-08CD-E670-6896E7482CAE}"/>
+              </a:ext>
+            </a:extLst>
+          </p:cNvPr>
+          <p:cNvPicPr>
+            <a:picLocks noChangeAspect="1"/>
+          </p:cNvPicPr>
+          <p:nvPr/>
+        </p:nvPicPr>
+        <p:blipFill>
+          <a:blip r:embed="rId3"/>
+          <a:stretch>
+            <a:fillRect/>
+          </a:stretch>
+        </p:blipFill>
+        <p:spPr>
+          <a:xfrm>
+            <a:off x="4434348" y="2859394"/>
+            <a:ext cx="4591664" cy="3541406"/>
+          </a:xfrm>
+          <a:prstGeom prst="rect">
+            <a:avLst/>
+          </a:prstGeom>
+        </p:spPr>
+      </p:pic>
     </p:spTree>
     <p:extLst>
       <p:ext uri="{BB962C8B-B14F-4D97-AF65-F5344CB8AC3E}">
@@ -13298,10 +13854,10 @@
       </p:grpSpPr>
       <p:sp>
         <p:nvSpPr>
-          <p:cNvPr id="2" name="Title 1">
+          <p:cNvPr id="5" name="Content Placeholder 4">
             <a:extLst>
               <a:ext uri="{FF2B5EF4-FFF2-40B4-BE49-F238E27FC236}">
-                <a16:creationId xmlns:a16="http://schemas.microsoft.com/office/drawing/2014/main" id="{BF47CC10-3E4A-0933-FE56-8E838EB1BB6D}"/>
+                <a16:creationId xmlns:a16="http://schemas.microsoft.com/office/drawing/2014/main" id="{6BB1931A-4A62-FEFB-89BB-E44DE37F2522}"/>
               </a:ext>
             </a:extLst>
           </p:cNvPr>
@@ -13309,127 +13865,104 @@
             <a:spLocks noGrp="1"/>
           </p:cNvSpPr>
           <p:nvPr>
-            <p:ph type="ctrTitle"/>
+            <p:ph idx="1"/>
           </p:nvPr>
         </p:nvSpPr>
         <p:spPr>
           <a:xfrm>
-            <a:off x="1900238" y="603045"/>
-            <a:ext cx="6593681" cy="776595"/>
+            <a:off x="856060" y="678426"/>
+            <a:ext cx="7429499" cy="5112775"/>
           </a:xfrm>
         </p:spPr>
         <p:txBody>
-          <a:bodyPr>
-            <a:normAutofit/>
-          </a:bodyPr>
+          <a:bodyPr/>
           <a:lstStyle/>
           <a:p>
             <a:r>
-              <a:rPr lang="en-IN" dirty="0"/>
-              <a:t>Modules</a:t>
-            </a:r>
-          </a:p>
-        </p:txBody>
-      </p:sp>
-      <p:sp>
-        <p:nvSpPr>
-          <p:cNvPr id="3" name="Subtitle 2">
-            <a:extLst>
-              <a:ext uri="{FF2B5EF4-FFF2-40B4-BE49-F238E27FC236}">
-                <a16:creationId xmlns:a16="http://schemas.microsoft.com/office/drawing/2014/main" id="{43B60FF5-E690-5C8A-D0C3-C838783FF93B}"/>
-              </a:ext>
-            </a:extLst>
-          </p:cNvPr>
-          <p:cNvSpPr>
-            <a:spLocks noGrp="1"/>
-          </p:cNvSpPr>
-          <p:nvPr>
-            <p:ph type="subTitle" idx="1"/>
-          </p:nvPr>
-        </p:nvSpPr>
-        <p:spPr>
-          <a:xfrm>
-            <a:off x="1900238" y="1543665"/>
-            <a:ext cx="6593681" cy="4601496"/>
-          </a:xfrm>
-        </p:spPr>
-        <p:txBody>
-          <a:bodyPr>
-            <a:normAutofit fontScale="55000" lnSpcReduction="20000"/>
-          </a:bodyPr>
-          <a:lstStyle/>
-          <a:p>
-            <a:r>
-              <a:rPr lang="en-US" sz="5100" cap="none" dirty="0">
+              <a:rPr lang="en-US" sz="2400" cap="none" dirty="0">
                 <a:solidFill>
                   <a:schemeClr val="tx1"/>
                 </a:solidFill>
               </a:rPr>
-              <a:t>2. Recycling Guide:</a:t>
+              <a:t>2.Admin Login and Admin View.</a:t>
             </a:r>
           </a:p>
           <a:p>
-            <a:r>
-              <a:rPr lang="en-US" sz="5100" cap="none" dirty="0">
-                <a:solidFill>
-                  <a:schemeClr val="tx1"/>
-                </a:solidFill>
-              </a:rPr>
-              <a:t>   - Educates users about different types of plastics and their recyclability.</a:t>
-            </a:r>
-          </a:p>
-          <a:p>
-            <a:r>
-              <a:rPr lang="en-US" sz="5100" cap="none" dirty="0">
-                <a:solidFill>
-                  <a:schemeClr val="tx1"/>
-                </a:solidFill>
-              </a:rPr>
-              <a:t>   - Suggests nearby recycling centers based on location.</a:t>
-            </a:r>
-          </a:p>
-          <a:p>
-            <a:r>
-              <a:rPr lang="en-US" sz="5100" cap="none" dirty="0">
-                <a:solidFill>
-                  <a:schemeClr val="tx1"/>
-                </a:solidFill>
-              </a:rPr>
-              <a:t>3. Community challenges:</a:t>
-            </a:r>
-          </a:p>
-          <a:p>
-            <a:r>
-              <a:rPr lang="en-US" sz="5100" cap="none" dirty="0">
-                <a:solidFill>
-                  <a:schemeClr val="tx1"/>
-                </a:solidFill>
-              </a:rPr>
-              <a:t>   - Gamification with challenges like 'plastic-free week' or ‘DIY recycling projects.'</a:t>
-            </a:r>
-          </a:p>
-          <a:p>
-            <a:r>
-              <a:rPr lang="en-US" sz="5100" cap="none" dirty="0">
-                <a:solidFill>
-                  <a:schemeClr val="tx1"/>
-                </a:solidFill>
-              </a:rPr>
-              <a:t>   - Users can earn badges.</a:t>
-            </a:r>
-          </a:p>
-          <a:p>
-            <a:endParaRPr lang="en-US" dirty="0"/>
+            <a:endParaRPr lang="en-US" sz="2400" cap="none" dirty="0">
+              <a:solidFill>
+                <a:schemeClr val="tx1"/>
+              </a:solidFill>
+            </a:endParaRPr>
           </a:p>
           <a:p>
             <a:endParaRPr lang="en-IN" dirty="0"/>
           </a:p>
         </p:txBody>
       </p:sp>
+      <p:pic>
+        <p:nvPicPr>
+          <p:cNvPr id="7" name="Picture 6">
+            <a:extLst>
+              <a:ext uri="{FF2B5EF4-FFF2-40B4-BE49-F238E27FC236}">
+                <a16:creationId xmlns:a16="http://schemas.microsoft.com/office/drawing/2014/main" id="{07E28655-8B6E-4A20-2476-96DB0D1743F8}"/>
+              </a:ext>
+            </a:extLst>
+          </p:cNvPr>
+          <p:cNvPicPr>
+            <a:picLocks noChangeAspect="1"/>
+          </p:cNvPicPr>
+          <p:nvPr/>
+        </p:nvPicPr>
+        <p:blipFill>
+          <a:blip r:embed="rId2"/>
+          <a:stretch>
+            <a:fillRect/>
+          </a:stretch>
+        </p:blipFill>
+        <p:spPr>
+          <a:xfrm>
+            <a:off x="703295" y="1304926"/>
+            <a:ext cx="4812602" cy="2556695"/>
+          </a:xfrm>
+          <a:prstGeom prst="rect">
+            <a:avLst/>
+          </a:prstGeom>
+        </p:spPr>
+      </p:pic>
+      <p:pic>
+        <p:nvPicPr>
+          <p:cNvPr id="9" name="Picture 8">
+            <a:extLst>
+              <a:ext uri="{FF2B5EF4-FFF2-40B4-BE49-F238E27FC236}">
+                <a16:creationId xmlns:a16="http://schemas.microsoft.com/office/drawing/2014/main" id="{8CFF0B97-074B-756C-2B93-FB8CCAED3FD8}"/>
+              </a:ext>
+            </a:extLst>
+          </p:cNvPr>
+          <p:cNvPicPr>
+            <a:picLocks noChangeAspect="1"/>
+          </p:cNvPicPr>
+          <p:nvPr/>
+        </p:nvPicPr>
+        <p:blipFill>
+          <a:blip r:embed="rId3"/>
+          <a:stretch>
+            <a:fillRect/>
+          </a:stretch>
+        </p:blipFill>
+        <p:spPr>
+          <a:xfrm>
+            <a:off x="3702134" y="3861621"/>
+            <a:ext cx="4999414" cy="2849204"/>
+          </a:xfrm>
+          <a:prstGeom prst="rect">
+            <a:avLst/>
+          </a:prstGeom>
+        </p:spPr>
+      </p:pic>
     </p:spTree>
     <p:extLst>
       <p:ext uri="{BB962C8B-B14F-4D97-AF65-F5344CB8AC3E}">
-        <p14:creationId xmlns:p14="http://schemas.microsoft.com/office/powerpoint/2010/main" val="1503946857"/>
+        <p14:creationId xmlns:p14="http://schemas.microsoft.com/office/powerpoint/2010/main" val="1242030880"/>
       </p:ext>
     </p:extLst>
   </p:cSld>
@@ -13458,36 +13991,13 @@
       </p:grpSpPr>
       <p:sp>
         <p:nvSpPr>
-          <p:cNvPr id="2" name="Title 1"/>
-          <p:cNvSpPr>
-            <a:spLocks noGrp="1"/>
-          </p:cNvSpPr>
-          <p:nvPr>
-            <p:ph type="title"/>
-          </p:nvPr>
-        </p:nvSpPr>
-        <p:spPr>
-          <a:xfrm>
-            <a:off x="1170692" y="273932"/>
-            <a:ext cx="7429499" cy="689172"/>
-          </a:xfrm>
-        </p:spPr>
-        <p:txBody>
-          <a:bodyPr>
-            <a:normAutofit fontScale="90000"/>
-          </a:bodyPr>
-          <a:lstStyle/>
-          <a:p>
-            <a:r>
-              <a:rPr sz="4800" dirty="0"/>
-              <a:t>Technologies Used</a:t>
-            </a:r>
-          </a:p>
-        </p:txBody>
-      </p:sp>
-      <p:sp>
-        <p:nvSpPr>
-          <p:cNvPr id="3" name="Content Placeholder 2"/>
+          <p:cNvPr id="3" name="Content Placeholder 2">
+            <a:extLst>
+              <a:ext uri="{FF2B5EF4-FFF2-40B4-BE49-F238E27FC236}">
+                <a16:creationId xmlns:a16="http://schemas.microsoft.com/office/drawing/2014/main" id="{9DEB8859-EF74-6203-84B1-7512C99B34B6}"/>
+              </a:ext>
+            </a:extLst>
+          </p:cNvPr>
           <p:cNvSpPr>
             <a:spLocks noGrp="1"/>
           </p:cNvSpPr>
@@ -13497,73 +14007,84 @@
         </p:nvSpPr>
         <p:spPr>
           <a:xfrm>
-            <a:off x="1170692" y="963104"/>
-            <a:ext cx="7429499" cy="4778935"/>
+            <a:off x="856060" y="511277"/>
+            <a:ext cx="7429499" cy="5279924"/>
           </a:xfrm>
         </p:spPr>
         <p:txBody>
-          <a:bodyPr>
-            <a:noAutofit/>
-          </a:bodyPr>
+          <a:bodyPr/>
           <a:lstStyle/>
           <a:p>
-            <a:pPr marL="0" indent="0">
-              <a:buNone/>
-            </a:pPr>
             <a:r>
-              <a:rPr sz="2800" dirty="0"/>
-              <a:t>1. Frontend: React.js</a:t>
+              <a:rPr lang="en-US" sz="2400" cap="none" dirty="0">
+                <a:solidFill>
+                  <a:schemeClr val="tx1"/>
+                </a:solidFill>
+              </a:rPr>
+              <a:t>3. Plastic Waste Calculator:</a:t>
             </a:r>
+          </a:p>
+          <a:p>
             <a:r>
-              <a:rPr lang="en-IN" sz="2800" dirty="0"/>
-              <a:t>.</a:t>
+              <a:rPr lang="en-US" sz="2400" cap="none" dirty="0">
+                <a:solidFill>
+                  <a:schemeClr val="tx1"/>
+                </a:solidFill>
+              </a:rPr>
+              <a:t>   - Users can input their plastic usage to calculate their plastic footprint in kilograms.</a:t>
             </a:r>
-            <a:endParaRPr sz="2800" dirty="0"/>
-          </a:p>
-          <a:p>
-            <a:pPr marL="0" indent="0">
-              <a:buNone/>
-            </a:pPr>
+          </a:p>
+          <a:p>
             <a:r>
-              <a:rPr sz="2800" dirty="0"/>
-              <a:t>2. Backend: Node.js and Express.js for API development.</a:t>
+              <a:rPr lang="en-US" sz="2400" cap="none" dirty="0">
+                <a:solidFill>
+                  <a:schemeClr val="tx1"/>
+                </a:solidFill>
+              </a:rPr>
+              <a:t>   - Provides Report in PDF format.</a:t>
             </a:r>
           </a:p>
           <a:p>
-            <a:pPr marL="0" indent="0">
-              <a:buNone/>
-            </a:pPr>
-            <a:r>
-              <a:rPr sz="2800" dirty="0"/>
-              <a:t>3. Database: MongoDB</a:t>
-            </a:r>
-            <a:r>
-              <a:rPr lang="en-IN" sz="2800" dirty="0"/>
-              <a:t>.</a:t>
-            </a:r>
-            <a:endParaRPr sz="2800" dirty="0"/>
-          </a:p>
-          <a:p>
-            <a:pPr marL="0" indent="0">
-              <a:buNone/>
-            </a:pPr>
-            <a:r>
-              <a:rPr sz="2800" dirty="0"/>
-              <a:t>4. Machine Learning: TensorFlow.js or Python for plastic item recognition.</a:t>
-            </a:r>
-          </a:p>
-          <a:p>
-            <a:pPr marL="0" indent="0">
-              <a:buNone/>
-            </a:pPr>
-            <a:r>
-              <a:rPr sz="2800" dirty="0"/>
-              <a:t>5. APIs: Google Maps API and Geolocation APIs for location-based services.</a:t>
-            </a:r>
+            <a:endParaRPr lang="en-IN" dirty="0"/>
           </a:p>
         </p:txBody>
       </p:sp>
+      <p:pic>
+        <p:nvPicPr>
+          <p:cNvPr id="5" name="Picture 4">
+            <a:extLst>
+              <a:ext uri="{FF2B5EF4-FFF2-40B4-BE49-F238E27FC236}">
+                <a16:creationId xmlns:a16="http://schemas.microsoft.com/office/drawing/2014/main" id="{6BA12972-49BA-C27A-1D47-342E6FB4F8EA}"/>
+              </a:ext>
+            </a:extLst>
+          </p:cNvPr>
+          <p:cNvPicPr>
+            <a:picLocks noChangeAspect="1"/>
+          </p:cNvPicPr>
+          <p:nvPr/>
+        </p:nvPicPr>
+        <p:blipFill>
+          <a:blip r:embed="rId2"/>
+          <a:stretch>
+            <a:fillRect/>
+          </a:stretch>
+        </p:blipFill>
+        <p:spPr>
+          <a:xfrm>
+            <a:off x="856059" y="2627574"/>
+            <a:ext cx="7672233" cy="4075874"/>
+          </a:xfrm>
+          <a:prstGeom prst="rect">
+            <a:avLst/>
+          </a:prstGeom>
+        </p:spPr>
+      </p:pic>
     </p:spTree>
+    <p:extLst>
+      <p:ext uri="{BB962C8B-B14F-4D97-AF65-F5344CB8AC3E}">
+        <p14:creationId xmlns:p14="http://schemas.microsoft.com/office/powerpoint/2010/main" val="2458963050"/>
+      </p:ext>
+    </p:extLst>
   </p:cSld>
   <p:clrMapOvr>
     <a:masterClrMapping/>
@@ -13590,18 +14111,24 @@
       </p:grpSpPr>
       <p:sp>
         <p:nvSpPr>
-          <p:cNvPr id="2" name="Title 1"/>
+          <p:cNvPr id="3" name="Subtitle 2">
+            <a:extLst>
+              <a:ext uri="{FF2B5EF4-FFF2-40B4-BE49-F238E27FC236}">
+                <a16:creationId xmlns:a16="http://schemas.microsoft.com/office/drawing/2014/main" id="{43B60FF5-E690-5C8A-D0C3-C838783FF93B}"/>
+              </a:ext>
+            </a:extLst>
+          </p:cNvPr>
           <p:cNvSpPr>
             <a:spLocks noGrp="1"/>
           </p:cNvSpPr>
           <p:nvPr>
-            <p:ph type="title"/>
+            <p:ph type="subTitle" idx="1"/>
           </p:nvPr>
         </p:nvSpPr>
         <p:spPr>
           <a:xfrm>
-            <a:off x="856060" y="618518"/>
-            <a:ext cx="7429499" cy="787495"/>
+            <a:off x="1900238" y="530942"/>
+            <a:ext cx="6593681" cy="5614219"/>
           </a:xfrm>
         </p:spPr>
         <p:txBody>
@@ -13611,45 +14138,98 @@
           <a:lstStyle/>
           <a:p>
             <a:r>
-              <a:rPr sz="4800" dirty="0"/>
-              <a:t>Conclusion</a:t>
+              <a:rPr lang="en-US" sz="2800" cap="none" dirty="0">
+                <a:solidFill>
+                  <a:schemeClr val="tx1"/>
+                </a:solidFill>
+              </a:rPr>
+              <a:t>4. Recycling Guide:</a:t>
             </a:r>
+          </a:p>
+          <a:p>
+            <a:r>
+              <a:rPr lang="en-US" sz="2800" cap="none" dirty="0">
+                <a:solidFill>
+                  <a:schemeClr val="tx1"/>
+                </a:solidFill>
+              </a:rPr>
+              <a:t>- Predict whether the plastic waste is recyclable or not</a:t>
+            </a:r>
+          </a:p>
+          <a:p>
+            <a:endParaRPr lang="en-US" dirty="0"/>
+          </a:p>
+          <a:p>
+            <a:endParaRPr lang="en-IN" dirty="0"/>
           </a:p>
         </p:txBody>
       </p:sp>
-      <p:sp>
-        <p:nvSpPr>
-          <p:cNvPr id="3" name="Content Placeholder 2"/>
-          <p:cNvSpPr>
-            <a:spLocks noGrp="1"/>
-          </p:cNvSpPr>
-          <p:nvPr>
-            <p:ph idx="1"/>
-          </p:nvPr>
-        </p:nvSpPr>
+      <p:pic>
+        <p:nvPicPr>
+          <p:cNvPr id="9" name="Picture 8">
+            <a:extLst>
+              <a:ext uri="{FF2B5EF4-FFF2-40B4-BE49-F238E27FC236}">
+                <a16:creationId xmlns:a16="http://schemas.microsoft.com/office/drawing/2014/main" id="{B5B3D79C-9F5D-5E8A-FC22-5B5B95A3A973}"/>
+              </a:ext>
+            </a:extLst>
+          </p:cNvPr>
+          <p:cNvPicPr>
+            <a:picLocks noChangeAspect="1"/>
+          </p:cNvPicPr>
+          <p:nvPr/>
+        </p:nvPicPr>
+        <p:blipFill>
+          <a:blip r:embed="rId2"/>
+          <a:stretch>
+            <a:fillRect/>
+          </a:stretch>
+        </p:blipFill>
         <p:spPr>
           <a:xfrm>
-            <a:off x="857250" y="1469723"/>
-            <a:ext cx="7429499" cy="4665605"/>
+            <a:off x="43614" y="2597184"/>
+            <a:ext cx="4439896" cy="3105526"/>
           </a:xfrm>
+          <a:prstGeom prst="rect">
+            <a:avLst/>
+          </a:prstGeom>
         </p:spPr>
-        <p:txBody>
-          <a:bodyPr>
-            <a:noAutofit/>
-          </a:bodyPr>
-          <a:lstStyle/>
-          <a:p>
-            <a:pPr marL="0" indent="0" algn="just">
-              <a:buNone/>
-            </a:pPr>
-            <a:r>
-              <a:rPr sz="2800" dirty="0"/>
-              <a:t>This project aims to create an impactful platform that raises awareness about plastic pollution, educates users about recycling, and motivates them to adopt sustainable habits through gamified challenges and community engagement. By bridging the gap between knowledge and action, this solution can contribute to reducing plastic waste and promoting a healthier environment for future generations.</a:t>
-            </a:r>
-          </a:p>
-        </p:txBody>
-      </p:sp>
+      </p:pic>
+      <p:pic>
+        <p:nvPicPr>
+          <p:cNvPr id="11" name="Picture 10">
+            <a:extLst>
+              <a:ext uri="{FF2B5EF4-FFF2-40B4-BE49-F238E27FC236}">
+                <a16:creationId xmlns:a16="http://schemas.microsoft.com/office/drawing/2014/main" id="{8FACC407-7083-5314-6DAE-711BC0E8086B}"/>
+              </a:ext>
+            </a:extLst>
+          </p:cNvPr>
+          <p:cNvPicPr>
+            <a:picLocks noChangeAspect="1"/>
+          </p:cNvPicPr>
+          <p:nvPr/>
+        </p:nvPicPr>
+        <p:blipFill>
+          <a:blip r:embed="rId3"/>
+          <a:stretch>
+            <a:fillRect/>
+          </a:stretch>
+        </p:blipFill>
+        <p:spPr>
+          <a:xfrm>
+            <a:off x="4572000" y="3533330"/>
+            <a:ext cx="4503174" cy="3105526"/>
+          </a:xfrm>
+          <a:prstGeom prst="rect">
+            <a:avLst/>
+          </a:prstGeom>
+        </p:spPr>
+      </p:pic>
     </p:spTree>
+    <p:extLst>
+      <p:ext uri="{BB962C8B-B14F-4D97-AF65-F5344CB8AC3E}">
+        <p14:creationId xmlns:p14="http://schemas.microsoft.com/office/powerpoint/2010/main" val="1503946857"/>
+      </p:ext>
+    </p:extLst>
   </p:cSld>
   <p:clrMapOvr>
     <a:masterClrMapping/>
